--- a/05-CrDyn/Pictures/Pump0.pptx
+++ b/05-CrDyn/Pictures/Pump0.pptx
@@ -7,7 +7,7 @@
   <p:sldIdLst>
     <p:sldId id="256" r:id="rId2"/>
   </p:sldIdLst>
-  <p:sldSz cx="10080625" cy="6553200"/>
+  <p:sldSz cx="9290050" cy="6553200"/>
   <p:notesSz cx="6858000" cy="9144000"/>
   <p:defaultTextStyle>
     <a:defPPr>
@@ -136,8 +136,8 @@
         </p:nvSpPr>
         <p:spPr>
           <a:xfrm>
-            <a:off x="756049" y="2035743"/>
-            <a:ext cx="8568532" cy="1404691"/>
+            <a:off x="696757" y="2035743"/>
+            <a:ext cx="7896542" cy="1404692"/>
           </a:xfrm>
         </p:spPr>
         <p:txBody>
@@ -164,8 +164,8 @@
         </p:nvSpPr>
         <p:spPr>
           <a:xfrm>
-            <a:off x="1512094" y="3713484"/>
-            <a:ext cx="7056439" cy="1674707"/>
+            <a:off x="1393510" y="3713484"/>
+            <a:ext cx="6503036" cy="1674708"/>
           </a:xfrm>
         </p:spPr>
         <p:txBody>
@@ -288,7 +288,7 @@
           <a:p>
             <a:fld id="{D9AFE361-676E-4EA1-848E-F6910BEB3DB0}" type="datetimeFigureOut">
               <a:rPr lang="fr-FR" smtClean="0"/>
-              <a:t>17/10/2017</a:t>
+              <a:t>19/10/2017</a:t>
             </a:fld>
             <a:endParaRPr lang="fr-FR"/>
           </a:p>
@@ -458,7 +458,7 @@
           <a:p>
             <a:fld id="{D9AFE361-676E-4EA1-848E-F6910BEB3DB0}" type="datetimeFigureOut">
               <a:rPr lang="fr-FR" smtClean="0"/>
-              <a:t>17/10/2017</a:t>
+              <a:t>19/10/2017</a:t>
             </a:fld>
             <a:endParaRPr lang="fr-FR"/>
           </a:p>
@@ -548,8 +548,8 @@
         </p:nvSpPr>
         <p:spPr>
           <a:xfrm>
-            <a:off x="7308454" y="254851"/>
-            <a:ext cx="2268140" cy="5430661"/>
+            <a:off x="6735288" y="254854"/>
+            <a:ext cx="2090261" cy="5430661"/>
           </a:xfrm>
         </p:spPr>
         <p:txBody>
@@ -576,8 +576,8 @@
         </p:nvSpPr>
         <p:spPr>
           <a:xfrm>
-            <a:off x="504032" y="254851"/>
-            <a:ext cx="6636411" cy="5430661"/>
+            <a:off x="464506" y="254854"/>
+            <a:ext cx="6115949" cy="5430661"/>
           </a:xfrm>
         </p:spPr>
         <p:txBody>
@@ -638,7 +638,7 @@
           <a:p>
             <a:fld id="{D9AFE361-676E-4EA1-848E-F6910BEB3DB0}" type="datetimeFigureOut">
               <a:rPr lang="fr-FR" smtClean="0"/>
-              <a:t>17/10/2017</a:t>
+              <a:t>19/10/2017</a:t>
             </a:fld>
             <a:endParaRPr lang="fr-FR"/>
           </a:p>
@@ -808,7 +808,7 @@
           <a:p>
             <a:fld id="{D9AFE361-676E-4EA1-848E-F6910BEB3DB0}" type="datetimeFigureOut">
               <a:rPr lang="fr-FR" smtClean="0"/>
-              <a:t>17/10/2017</a:t>
+              <a:t>19/10/2017</a:t>
             </a:fld>
             <a:endParaRPr lang="fr-FR"/>
           </a:p>
@@ -898,8 +898,8 @@
         </p:nvSpPr>
         <p:spPr>
           <a:xfrm>
-            <a:off x="796301" y="4211038"/>
-            <a:ext cx="8568532" cy="1301538"/>
+            <a:off x="733852" y="4211037"/>
+            <a:ext cx="7896542" cy="1301538"/>
           </a:xfrm>
         </p:spPr>
         <p:txBody>
@@ -930,8 +930,8 @@
         </p:nvSpPr>
         <p:spPr>
           <a:xfrm>
-            <a:off x="796301" y="2777526"/>
-            <a:ext cx="8568532" cy="1433512"/>
+            <a:off x="733852" y="2777527"/>
+            <a:ext cx="7896542" cy="1433512"/>
           </a:xfrm>
         </p:spPr>
         <p:txBody>
@@ -1054,7 +1054,7 @@
           <a:p>
             <a:fld id="{D9AFE361-676E-4EA1-848E-F6910BEB3DB0}" type="datetimeFigureOut">
               <a:rPr lang="fr-FR" smtClean="0"/>
-              <a:t>17/10/2017</a:t>
+              <a:t>19/10/2017</a:t>
             </a:fld>
             <a:endParaRPr lang="fr-FR"/>
           </a:p>
@@ -1167,8 +1167,8 @@
         </p:nvSpPr>
         <p:spPr>
           <a:xfrm>
-            <a:off x="504033" y="1485090"/>
-            <a:ext cx="4452276" cy="4200419"/>
+            <a:off x="464505" y="1485091"/>
+            <a:ext cx="4103105" cy="4200419"/>
           </a:xfrm>
         </p:spPr>
         <p:txBody>
@@ -1252,8 +1252,8 @@
         </p:nvSpPr>
         <p:spPr>
           <a:xfrm>
-            <a:off x="5124318" y="1485090"/>
-            <a:ext cx="4452276" cy="4200419"/>
+            <a:off x="4722443" y="1485091"/>
+            <a:ext cx="4103105" cy="4200419"/>
           </a:xfrm>
         </p:spPr>
         <p:txBody>
@@ -1342,7 +1342,7 @@
           <a:p>
             <a:fld id="{D9AFE361-676E-4EA1-848E-F6910BEB3DB0}" type="datetimeFigureOut">
               <a:rPr lang="fr-FR" smtClean="0"/>
-              <a:t>17/10/2017</a:t>
+              <a:t>19/10/2017</a:t>
             </a:fld>
             <a:endParaRPr lang="fr-FR"/>
           </a:p>
@@ -1432,8 +1432,8 @@
         </p:nvSpPr>
         <p:spPr>
           <a:xfrm>
-            <a:off x="504033" y="262432"/>
-            <a:ext cx="9072563" cy="1092200"/>
+            <a:off x="464505" y="262433"/>
+            <a:ext cx="8361045" cy="1092200"/>
           </a:xfrm>
         </p:spPr>
         <p:txBody>
@@ -1464,8 +1464,8 @@
         </p:nvSpPr>
         <p:spPr>
           <a:xfrm>
-            <a:off x="504033" y="1466886"/>
-            <a:ext cx="4454026" cy="611328"/>
+            <a:off x="464504" y="1466886"/>
+            <a:ext cx="4104718" cy="611328"/>
           </a:xfrm>
         </p:spPr>
         <p:txBody>
@@ -1529,8 +1529,8 @@
         </p:nvSpPr>
         <p:spPr>
           <a:xfrm>
-            <a:off x="504033" y="2078218"/>
-            <a:ext cx="4454026" cy="3775675"/>
+            <a:off x="464504" y="2078221"/>
+            <a:ext cx="4104718" cy="3775675"/>
           </a:xfrm>
         </p:spPr>
         <p:txBody>
@@ -1614,8 +1614,8 @@
         </p:nvSpPr>
         <p:spPr>
           <a:xfrm>
-            <a:off x="5120822" y="1466886"/>
-            <a:ext cx="4455776" cy="611328"/>
+            <a:off x="4719220" y="1466886"/>
+            <a:ext cx="4106331" cy="611328"/>
           </a:xfrm>
         </p:spPr>
         <p:txBody>
@@ -1679,8 +1679,8 @@
         </p:nvSpPr>
         <p:spPr>
           <a:xfrm>
-            <a:off x="5120822" y="2078218"/>
-            <a:ext cx="4455776" cy="3775675"/>
+            <a:off x="4719220" y="2078221"/>
+            <a:ext cx="4106331" cy="3775675"/>
           </a:xfrm>
         </p:spPr>
         <p:txBody>
@@ -1769,7 +1769,7 @@
           <a:p>
             <a:fld id="{D9AFE361-676E-4EA1-848E-F6910BEB3DB0}" type="datetimeFigureOut">
               <a:rPr lang="fr-FR" smtClean="0"/>
-              <a:t>17/10/2017</a:t>
+              <a:t>19/10/2017</a:t>
             </a:fld>
             <a:endParaRPr lang="fr-FR"/>
           </a:p>
@@ -1887,7 +1887,7 @@
           <a:p>
             <a:fld id="{D9AFE361-676E-4EA1-848E-F6910BEB3DB0}" type="datetimeFigureOut">
               <a:rPr lang="fr-FR" smtClean="0"/>
-              <a:t>17/10/2017</a:t>
+              <a:t>19/10/2017</a:t>
             </a:fld>
             <a:endParaRPr lang="fr-FR"/>
           </a:p>
@@ -1982,7 +1982,7 @@
           <a:p>
             <a:fld id="{D9AFE361-676E-4EA1-848E-F6910BEB3DB0}" type="datetimeFigureOut">
               <a:rPr lang="fr-FR" smtClean="0"/>
-              <a:t>17/10/2017</a:t>
+              <a:t>19/10/2017</a:t>
             </a:fld>
             <a:endParaRPr lang="fr-FR"/>
           </a:p>
@@ -2072,8 +2072,8 @@
         </p:nvSpPr>
         <p:spPr>
           <a:xfrm>
-            <a:off x="504035" y="260919"/>
-            <a:ext cx="3316456" cy="1110403"/>
+            <a:off x="464507" y="260922"/>
+            <a:ext cx="3056362" cy="1110403"/>
           </a:xfrm>
         </p:spPr>
         <p:txBody>
@@ -2104,8 +2104,8 @@
         </p:nvSpPr>
         <p:spPr>
           <a:xfrm>
-            <a:off x="3941245" y="260919"/>
-            <a:ext cx="5635349" cy="5592975"/>
+            <a:off x="3632155" y="260922"/>
+            <a:ext cx="5193395" cy="5592975"/>
           </a:xfrm>
         </p:spPr>
         <p:txBody>
@@ -2189,8 +2189,8 @@
         </p:nvSpPr>
         <p:spPr>
           <a:xfrm>
-            <a:off x="504035" y="1371321"/>
-            <a:ext cx="3316456" cy="4482571"/>
+            <a:off x="464507" y="1371322"/>
+            <a:ext cx="3056362" cy="4482571"/>
           </a:xfrm>
         </p:spPr>
         <p:txBody>
@@ -2259,7 +2259,7 @@
           <a:p>
             <a:fld id="{D9AFE361-676E-4EA1-848E-F6910BEB3DB0}" type="datetimeFigureOut">
               <a:rPr lang="fr-FR" smtClean="0"/>
-              <a:t>17/10/2017</a:t>
+              <a:t>19/10/2017</a:t>
             </a:fld>
             <a:endParaRPr lang="fr-FR"/>
           </a:p>
@@ -2349,8 +2349,8 @@
         </p:nvSpPr>
         <p:spPr>
           <a:xfrm>
-            <a:off x="1975874" y="4587241"/>
-            <a:ext cx="6048375" cy="541550"/>
+            <a:off x="1820917" y="4587243"/>
+            <a:ext cx="5574030" cy="541551"/>
           </a:xfrm>
         </p:spPr>
         <p:txBody>
@@ -2381,8 +2381,8 @@
         </p:nvSpPr>
         <p:spPr>
           <a:xfrm>
-            <a:off x="1975874" y="585540"/>
-            <a:ext cx="6048375" cy="3931920"/>
+            <a:off x="1820917" y="585541"/>
+            <a:ext cx="5574030" cy="3931920"/>
           </a:xfrm>
         </p:spPr>
         <p:txBody>
@@ -2442,8 +2442,8 @@
         </p:nvSpPr>
         <p:spPr>
           <a:xfrm>
-            <a:off x="1975874" y="5128791"/>
-            <a:ext cx="6048375" cy="769090"/>
+            <a:off x="1820917" y="5128792"/>
+            <a:ext cx="5574030" cy="769090"/>
           </a:xfrm>
         </p:spPr>
         <p:txBody>
@@ -2512,7 +2512,7 @@
           <a:p>
             <a:fld id="{D9AFE361-676E-4EA1-848E-F6910BEB3DB0}" type="datetimeFigureOut">
               <a:rPr lang="fr-FR" smtClean="0"/>
-              <a:t>17/10/2017</a:t>
+              <a:t>19/10/2017</a:t>
             </a:fld>
             <a:endParaRPr lang="fr-FR"/>
           </a:p>
@@ -2607,8 +2607,8 @@
         </p:nvSpPr>
         <p:spPr>
           <a:xfrm>
-            <a:off x="504033" y="262432"/>
-            <a:ext cx="9072563" cy="1092200"/>
+            <a:off x="464505" y="262433"/>
+            <a:ext cx="8361045" cy="1092200"/>
           </a:xfrm>
           <a:prstGeom prst="rect">
             <a:avLst/>
@@ -2640,8 +2640,8 @@
         </p:nvSpPr>
         <p:spPr>
           <a:xfrm>
-            <a:off x="504033" y="1529085"/>
-            <a:ext cx="9072563" cy="4324809"/>
+            <a:off x="464505" y="1529086"/>
+            <a:ext cx="8361045" cy="4324809"/>
           </a:xfrm>
           <a:prstGeom prst="rect">
             <a:avLst/>
@@ -2702,8 +2702,8 @@
         </p:nvSpPr>
         <p:spPr>
           <a:xfrm>
-            <a:off x="504032" y="6073846"/>
-            <a:ext cx="2352145" cy="348898"/>
+            <a:off x="464505" y="6073847"/>
+            <a:ext cx="2167678" cy="348898"/>
           </a:xfrm>
           <a:prstGeom prst="rect">
             <a:avLst/>
@@ -2725,7 +2725,7 @@
           <a:p>
             <a:fld id="{D9AFE361-676E-4EA1-848E-F6910BEB3DB0}" type="datetimeFigureOut">
               <a:rPr lang="fr-FR" smtClean="0"/>
-              <a:t>17/10/2017</a:t>
+              <a:t>19/10/2017</a:t>
             </a:fld>
             <a:endParaRPr lang="fr-FR"/>
           </a:p>
@@ -2743,8 +2743,8 @@
         </p:nvSpPr>
         <p:spPr>
           <a:xfrm>
-            <a:off x="3444215" y="6073846"/>
-            <a:ext cx="3192198" cy="348898"/>
+            <a:off x="3174102" y="6073847"/>
+            <a:ext cx="2941849" cy="348898"/>
           </a:xfrm>
           <a:prstGeom prst="rect">
             <a:avLst/>
@@ -2780,8 +2780,8 @@
         </p:nvSpPr>
         <p:spPr>
           <a:xfrm>
-            <a:off x="7224449" y="6073846"/>
-            <a:ext cx="2352145" cy="348898"/>
+            <a:off x="6657872" y="6073847"/>
+            <a:ext cx="2167678" cy="348898"/>
           </a:xfrm>
           <a:prstGeom prst="rect">
             <a:avLst/>
@@ -3102,7 +3102,7 @@
       </p:grpSpPr>
       <p:pic>
         <p:nvPicPr>
-          <p:cNvPr id="60" name="Picture 6"/>
+          <p:cNvPr id="38" name="Picture 6"/>
           <p:cNvPicPr>
             <a:picLocks noChangeAspect="1" noChangeArrowheads="1"/>
           </p:cNvPicPr>
@@ -3123,7 +3123,7 @@
         </p:blipFill>
         <p:spPr bwMode="auto">
           <a:xfrm>
-            <a:off x="5302799" y="-43335"/>
+            <a:off x="4476179" y="-78359"/>
             <a:ext cx="5100637" cy="6692900"/>
           </a:xfrm>
           <a:prstGeom prst="rect">
@@ -3156,7 +3156,7 @@
       </p:pic>
       <p:pic>
         <p:nvPicPr>
-          <p:cNvPr id="61" name="Picture 2"/>
+          <p:cNvPr id="1035" name="Picture 11"/>
           <p:cNvPicPr>
             <a:picLocks noChangeAspect="1" noChangeArrowheads="1"/>
           </p:cNvPicPr>
@@ -3177,8 +3177,8 @@
         </p:blipFill>
         <p:spPr bwMode="auto">
           <a:xfrm>
-            <a:off x="-108520" y="-43335"/>
-            <a:ext cx="5086350" cy="6678613"/>
+            <a:off x="-172800" y="-128624"/>
+            <a:ext cx="5205571" cy="6789600"/>
           </a:xfrm>
           <a:prstGeom prst="rect">
             <a:avLst/>
@@ -3208,203 +3208,97 @@
           </a:extLst>
         </p:spPr>
       </p:pic>
-      <p:grpSp>
-        <p:nvGrpSpPr>
-          <p:cNvPr id="62" name="Groupe 61"/>
-          <p:cNvGrpSpPr>
-            <a:grpSpLocks noChangeAspect="1"/>
-          </p:cNvGrpSpPr>
+      <p:sp>
+        <p:nvSpPr>
+          <p:cNvPr id="40" name="ZoneTexte 39"/>
+          <p:cNvSpPr txBox="1"/>
           <p:nvPr/>
-        </p:nvGrpSpPr>
-        <p:grpSpPr>
+        </p:nvSpPr>
+        <p:spPr>
           <a:xfrm>
-            <a:off x="3203848" y="16326"/>
-            <a:ext cx="3024000" cy="2453315"/>
-            <a:chOff x="5300662" y="260648"/>
-            <a:chExt cx="2343151" cy="1900957"/>
+            <a:off x="468561" y="73224"/>
+            <a:ext cx="526106" cy="461665"/>
           </a:xfrm>
-        </p:grpSpPr>
-        <p:pic>
-          <p:nvPicPr>
-            <p:cNvPr id="63" name="Picture 3"/>
-            <p:cNvPicPr>
-              <a:picLocks noChangeAspect="1" noChangeArrowheads="1"/>
-            </p:cNvPicPr>
-            <p:nvPr/>
-          </p:nvPicPr>
-          <p:blipFill rotWithShape="1">
-            <a:blip r:embed="rId4" cstate="print">
-              <a:extLst>
-                <a:ext uri="{28A0092B-C50C-407E-A947-70E740481C1C}">
-                  <a14:useLocalDpi xmlns:a14="http://schemas.microsoft.com/office/drawing/2010/main" val="0"/>
-                </a:ext>
-              </a:extLst>
-            </a:blip>
-            <a:srcRect l="3109" t="4145" r="6502" b="2731"/>
-            <a:stretch/>
-          </p:blipFill>
-          <p:spPr bwMode="auto">
-            <a:xfrm>
-              <a:off x="5300662" y="341648"/>
-              <a:ext cx="2343151" cy="1819957"/>
-            </a:xfrm>
-            <a:prstGeom prst="rect">
-              <a:avLst/>
-            </a:prstGeom>
-            <a:noFill/>
-            <a:ln>
-              <a:noFill/>
-            </a:ln>
-            <a:extLst>
-              <a:ext uri="{909E8E84-426E-40DD-AFC4-6F175D3DCCD1}">
-                <a14:hiddenFill xmlns:a14="http://schemas.microsoft.com/office/drawing/2010/main">
-                  <a:solidFill>
-                    <a:schemeClr val="accent1"/>
-                  </a:solidFill>
-                </a14:hiddenFill>
-              </a:ext>
-              <a:ext uri="{91240B29-F687-4F45-9708-019B960494DF}">
-                <a14:hiddenLine xmlns:a14="http://schemas.microsoft.com/office/drawing/2010/main" w="9525">
-                  <a:solidFill>
-                    <a:schemeClr val="tx1"/>
-                  </a:solidFill>
-                  <a:miter lim="800000"/>
-                  <a:headEnd/>
-                  <a:tailEnd/>
-                </a14:hiddenLine>
-              </a:ext>
-            </a:extLst>
-          </p:spPr>
-        </p:pic>
-        <p:cxnSp>
-          <p:nvCxnSpPr>
-            <p:cNvPr id="64" name="Connecteur droit avec flèche 63"/>
-            <p:cNvCxnSpPr/>
-            <p:nvPr/>
-          </p:nvCxnSpPr>
-          <p:spPr>
-            <a:xfrm>
-              <a:off x="6839744" y="260648"/>
-              <a:ext cx="0" cy="329885"/>
-            </a:xfrm>
-            <a:prstGeom prst="straightConnector1">
-              <a:avLst/>
-            </a:prstGeom>
-            <a:ln w="19050">
-              <a:solidFill>
-                <a:srgbClr val="00B050"/>
-              </a:solidFill>
-              <a:tailEnd type="arrow"/>
-            </a:ln>
-          </p:spPr>
-          <p:style>
-            <a:lnRef idx="1">
-              <a:schemeClr val="accent1"/>
-            </a:lnRef>
-            <a:fillRef idx="0">
-              <a:schemeClr val="accent1"/>
-            </a:fillRef>
-            <a:effectRef idx="0">
-              <a:schemeClr val="accent1"/>
-            </a:effectRef>
-            <a:fontRef idx="minor">
-              <a:schemeClr val="tx1"/>
-            </a:fontRef>
-          </p:style>
-        </p:cxnSp>
-        <p:cxnSp>
-          <p:nvCxnSpPr>
-            <p:cNvPr id="65" name="Connecteur droit avec flèche 64"/>
-            <p:cNvCxnSpPr/>
-            <p:nvPr/>
-          </p:nvCxnSpPr>
-          <p:spPr>
-            <a:xfrm>
-              <a:off x="6637090" y="799810"/>
-              <a:ext cx="0" cy="576610"/>
-            </a:xfrm>
-            <a:prstGeom prst="straightConnector1">
-              <a:avLst/>
-            </a:prstGeom>
-            <a:ln w="19050">
-              <a:solidFill>
-                <a:schemeClr val="tx1"/>
-              </a:solidFill>
-              <a:headEnd type="arrow" w="med" len="med"/>
-              <a:tailEnd type="none" w="med" len="med"/>
-            </a:ln>
-          </p:spPr>
-          <p:style>
-            <a:lnRef idx="1">
-              <a:schemeClr val="accent1"/>
-            </a:lnRef>
-            <a:fillRef idx="0">
-              <a:schemeClr val="accent1"/>
-            </a:fillRef>
-            <a:effectRef idx="0">
-              <a:schemeClr val="accent1"/>
-            </a:effectRef>
-            <a:fontRef idx="minor">
-              <a:schemeClr val="tx1"/>
-            </a:fontRef>
-          </p:style>
-        </p:cxnSp>
-        <p:cxnSp>
-          <p:nvCxnSpPr>
-            <p:cNvPr id="66" name="Connecteur droit avec flèche 65"/>
-            <p:cNvCxnSpPr/>
-            <p:nvPr/>
-          </p:nvCxnSpPr>
-          <p:spPr>
-            <a:xfrm>
-              <a:off x="6552073" y="418420"/>
-              <a:ext cx="0" cy="576610"/>
-            </a:xfrm>
-            <a:prstGeom prst="straightConnector1">
-              <a:avLst/>
-            </a:prstGeom>
-            <a:ln w="19050">
-              <a:solidFill>
-                <a:srgbClr val="FF0000"/>
-              </a:solidFill>
-              <a:headEnd type="arrow" w="med" len="med"/>
-              <a:tailEnd type="none" w="med" len="med"/>
-            </a:ln>
-          </p:spPr>
-          <p:style>
-            <a:lnRef idx="1">
-              <a:schemeClr val="accent1"/>
-            </a:lnRef>
-            <a:fillRef idx="0">
-              <a:schemeClr val="accent1"/>
-            </a:fillRef>
-            <a:effectRef idx="0">
-              <a:schemeClr val="accent1"/>
-            </a:effectRef>
-            <a:fontRef idx="minor">
-              <a:schemeClr val="tx1"/>
-            </a:fontRef>
-          </p:style>
-        </p:cxnSp>
-      </p:grpSp>
+          <a:prstGeom prst="rect">
+            <a:avLst/>
+          </a:prstGeom>
+          <a:noFill/>
+        </p:spPr>
+        <p:txBody>
+          <a:bodyPr wrap="none" rtlCol="0">
+            <a:spAutoFit/>
+          </a:bodyPr>
+          <a:lstStyle/>
+          <a:p>
+            <a:r>
+              <a:rPr lang="fr-FR" sz="2400" dirty="0" smtClean="0">
+                <a:latin typeface="Times New Roman" panose="02020603050405020304" pitchFamily="18" charset="0"/>
+                <a:cs typeface="Times New Roman" panose="02020603050405020304" pitchFamily="18" charset="0"/>
+              </a:rPr>
+              <a:t>(a)</a:t>
+            </a:r>
+            <a:endParaRPr lang="fr-FR" dirty="0">
+              <a:latin typeface="Times New Roman" panose="02020603050405020304" pitchFamily="18" charset="0"/>
+              <a:cs typeface="Times New Roman" panose="02020603050405020304" pitchFamily="18" charset="0"/>
+            </a:endParaRPr>
+          </a:p>
+        </p:txBody>
+      </p:sp>
+      <p:sp>
+        <p:nvSpPr>
+          <p:cNvPr id="41" name="ZoneTexte 40"/>
+          <p:cNvSpPr txBox="1"/>
+          <p:nvPr/>
+        </p:nvSpPr>
+        <p:spPr>
+          <a:xfrm>
+            <a:off x="5000629" y="145232"/>
+            <a:ext cx="543739" cy="461665"/>
+          </a:xfrm>
+          <a:prstGeom prst="rect">
+            <a:avLst/>
+          </a:prstGeom>
+          <a:noFill/>
+        </p:spPr>
+        <p:txBody>
+          <a:bodyPr wrap="none" rtlCol="0">
+            <a:spAutoFit/>
+          </a:bodyPr>
+          <a:lstStyle/>
+          <a:p>
+            <a:r>
+              <a:rPr lang="fr-FR" sz="2400" dirty="0" smtClean="0">
+                <a:latin typeface="Times New Roman" panose="02020603050405020304" pitchFamily="18" charset="0"/>
+                <a:cs typeface="Times New Roman" panose="02020603050405020304" pitchFamily="18" charset="0"/>
+              </a:rPr>
+              <a:t>(b)</a:t>
+            </a:r>
+            <a:endParaRPr lang="fr-FR" dirty="0">
+              <a:latin typeface="Times New Roman" panose="02020603050405020304" pitchFamily="18" charset="0"/>
+              <a:cs typeface="Times New Roman" panose="02020603050405020304" pitchFamily="18" charset="0"/>
+            </a:endParaRPr>
+          </a:p>
+        </p:txBody>
+      </p:sp>
       <p:cxnSp>
         <p:nvCxnSpPr>
-          <p:cNvPr id="67" name="Connecteur droit 66"/>
+          <p:cNvPr id="10" name="Connecteur droit 9"/>
           <p:cNvCxnSpPr/>
           <p:nvPr/>
         </p:nvCxnSpPr>
         <p:spPr>
           <a:xfrm>
-            <a:off x="3131840" y="171126"/>
-            <a:ext cx="504056" cy="0"/>
+            <a:off x="1555200" y="158400"/>
+            <a:ext cx="0" cy="342000"/>
           </a:xfrm>
           <a:prstGeom prst="line">
             <a:avLst/>
           </a:prstGeom>
-          <a:ln w="19050">
+          <a:ln w="15875">
             <a:solidFill>
-              <a:schemeClr val="tx1"/>
+              <a:srgbClr val="00B050"/>
             </a:solidFill>
+            <a:tailEnd type="arrow"/>
           </a:ln>
         </p:spPr>
         <p:style>
@@ -3424,22 +3318,23 @@
       </p:cxnSp>
       <p:cxnSp>
         <p:nvCxnSpPr>
-          <p:cNvPr id="68" name="Connecteur droit 67"/>
+          <p:cNvPr id="48" name="Connecteur droit 47"/>
           <p:cNvCxnSpPr/>
           <p:nvPr/>
         </p:nvCxnSpPr>
         <p:spPr>
-          <a:xfrm>
-            <a:off x="5868144" y="171126"/>
-            <a:ext cx="504056" cy="0"/>
+          <a:xfrm rot="10800000">
+            <a:off x="1278000" y="1000800"/>
+            <a:ext cx="0" cy="342000"/>
           </a:xfrm>
           <a:prstGeom prst="line">
             <a:avLst/>
           </a:prstGeom>
-          <a:ln w="19050">
+          <a:ln w="15875">
             <a:solidFill>
               <a:schemeClr val="tx1"/>
             </a:solidFill>
+            <a:tailEnd type="arrow"/>
           </a:ln>
         </p:spPr>
         <p:style>
@@ -3457,78 +3352,42 @@
           </a:fontRef>
         </p:style>
       </p:cxnSp>
-      <p:sp>
-        <p:nvSpPr>
-          <p:cNvPr id="2" name="ZoneTexte 1"/>
-          <p:cNvSpPr txBox="1"/>
+      <p:cxnSp>
+        <p:nvCxnSpPr>
+          <p:cNvPr id="49" name="Connecteur droit 48"/>
+          <p:cNvCxnSpPr/>
           <p:nvPr/>
-        </p:nvSpPr>
+        </p:nvCxnSpPr>
         <p:spPr>
-          <a:xfrm>
-            <a:off x="503808" y="180256"/>
-            <a:ext cx="526106" cy="461665"/>
+          <a:xfrm rot="10800000">
+            <a:off x="1162800" y="637200"/>
+            <a:ext cx="0" cy="342000"/>
           </a:xfrm>
-          <a:prstGeom prst="rect">
+          <a:prstGeom prst="line">
             <a:avLst/>
           </a:prstGeom>
-          <a:noFill/>
+          <a:ln w="15875">
+            <a:solidFill>
+              <a:srgbClr val="C00000"/>
+            </a:solidFill>
+            <a:tailEnd type="arrow"/>
+          </a:ln>
         </p:spPr>
-        <p:txBody>
-          <a:bodyPr wrap="none" rtlCol="0">
-            <a:spAutoFit/>
-          </a:bodyPr>
-          <a:lstStyle/>
-          <a:p>
-            <a:r>
-              <a:rPr lang="fr-FR" sz="2400" dirty="0" smtClean="0">
-                <a:latin typeface="Times New Roman" panose="02020603050405020304" pitchFamily="18" charset="0"/>
-                <a:cs typeface="Times New Roman" panose="02020603050405020304" pitchFamily="18" charset="0"/>
-              </a:rPr>
-              <a:t>(a)</a:t>
-            </a:r>
-            <a:endParaRPr lang="fr-FR" dirty="0">
-              <a:latin typeface="Times New Roman" panose="02020603050405020304" pitchFamily="18" charset="0"/>
-              <a:cs typeface="Times New Roman" panose="02020603050405020304" pitchFamily="18" charset="0"/>
-            </a:endParaRPr>
-          </a:p>
-        </p:txBody>
-      </p:sp>
-      <p:sp>
-        <p:nvSpPr>
-          <p:cNvPr id="12" name="ZoneTexte 11"/>
-          <p:cNvSpPr txBox="1"/>
-          <p:nvPr/>
-        </p:nvSpPr>
-        <p:spPr>
-          <a:xfrm>
-            <a:off x="9432800" y="180256"/>
-            <a:ext cx="543739" cy="461665"/>
-          </a:xfrm>
-          <a:prstGeom prst="rect">
-            <a:avLst/>
-          </a:prstGeom>
-          <a:noFill/>
-        </p:spPr>
-        <p:txBody>
-          <a:bodyPr wrap="none" rtlCol="0">
-            <a:spAutoFit/>
-          </a:bodyPr>
-          <a:lstStyle/>
-          <a:p>
-            <a:r>
-              <a:rPr lang="fr-FR" sz="2400" dirty="0" smtClean="0">
-                <a:latin typeface="Times New Roman" panose="02020603050405020304" pitchFamily="18" charset="0"/>
-                <a:cs typeface="Times New Roman" panose="02020603050405020304" pitchFamily="18" charset="0"/>
-              </a:rPr>
-              <a:t>(b)</a:t>
-            </a:r>
-            <a:endParaRPr lang="fr-FR" dirty="0">
-              <a:latin typeface="Times New Roman" panose="02020603050405020304" pitchFamily="18" charset="0"/>
-              <a:cs typeface="Times New Roman" panose="02020603050405020304" pitchFamily="18" charset="0"/>
-            </a:endParaRPr>
-          </a:p>
-        </p:txBody>
-      </p:sp>
+        <p:style>
+          <a:lnRef idx="1">
+            <a:schemeClr val="accent1"/>
+          </a:lnRef>
+          <a:fillRef idx="0">
+            <a:schemeClr val="accent1"/>
+          </a:fillRef>
+          <a:effectRef idx="0">
+            <a:schemeClr val="accent1"/>
+          </a:effectRef>
+          <a:fontRef idx="minor">
+            <a:schemeClr val="tx1"/>
+          </a:fontRef>
+        </p:style>
+      </p:cxnSp>
     </p:spTree>
     <p:extLst>
       <p:ext uri="{BB962C8B-B14F-4D97-AF65-F5344CB8AC3E}">

--- a/05-CrDyn/Pictures/Pump0.pptx
+++ b/05-CrDyn/Pictures/Pump0.pptx
@@ -7,7 +7,7 @@
   <p:sldIdLst>
     <p:sldId id="256" r:id="rId2"/>
   </p:sldIdLst>
-  <p:sldSz cx="9290050" cy="6553200"/>
+  <p:sldSz cx="9290050" cy="6911975"/>
   <p:notesSz cx="6858000" cy="9144000"/>
   <p:defaultTextStyle>
     <a:defPPr>
@@ -136,8 +136,8 @@
         </p:nvSpPr>
         <p:spPr>
           <a:xfrm>
-            <a:off x="696757" y="2035743"/>
-            <a:ext cx="7896542" cy="1404692"/>
+            <a:off x="696757" y="2147197"/>
+            <a:ext cx="7896542" cy="1481596"/>
           </a:xfrm>
         </p:spPr>
         <p:txBody>
@@ -164,8 +164,8 @@
         </p:nvSpPr>
         <p:spPr>
           <a:xfrm>
-            <a:off x="1393510" y="3713484"/>
-            <a:ext cx="6503036" cy="1674708"/>
+            <a:off x="1393510" y="3916792"/>
+            <a:ext cx="6503036" cy="1766395"/>
           </a:xfrm>
         </p:spPr>
         <p:txBody>
@@ -288,7 +288,7 @@
           <a:p>
             <a:fld id="{D9AFE361-676E-4EA1-848E-F6910BEB3DB0}" type="datetimeFigureOut">
               <a:rPr lang="fr-FR" smtClean="0"/>
-              <a:t>19/10/2017</a:t>
+              <a:t>20/10/2017</a:t>
             </a:fld>
             <a:endParaRPr lang="fr-FR"/>
           </a:p>
@@ -458,7 +458,7 @@
           <a:p>
             <a:fld id="{D9AFE361-676E-4EA1-848E-F6910BEB3DB0}" type="datetimeFigureOut">
               <a:rPr lang="fr-FR" smtClean="0"/>
-              <a:t>19/10/2017</a:t>
+              <a:t>20/10/2017</a:t>
             </a:fld>
             <a:endParaRPr lang="fr-FR"/>
           </a:p>
@@ -548,8 +548,8 @@
         </p:nvSpPr>
         <p:spPr>
           <a:xfrm>
-            <a:off x="6735288" y="254854"/>
-            <a:ext cx="2090261" cy="5430661"/>
+            <a:off x="6735291" y="268806"/>
+            <a:ext cx="2090261" cy="5727980"/>
           </a:xfrm>
         </p:spPr>
         <p:txBody>
@@ -576,8 +576,8 @@
         </p:nvSpPr>
         <p:spPr>
           <a:xfrm>
-            <a:off x="464506" y="254854"/>
-            <a:ext cx="6115949" cy="5430661"/>
+            <a:off x="464507" y="268806"/>
+            <a:ext cx="6115949" cy="5727980"/>
           </a:xfrm>
         </p:spPr>
         <p:txBody>
@@ -638,7 +638,7 @@
           <a:p>
             <a:fld id="{D9AFE361-676E-4EA1-848E-F6910BEB3DB0}" type="datetimeFigureOut">
               <a:rPr lang="fr-FR" smtClean="0"/>
-              <a:t>19/10/2017</a:t>
+              <a:t>20/10/2017</a:t>
             </a:fld>
             <a:endParaRPr lang="fr-FR"/>
           </a:p>
@@ -808,7 +808,7 @@
           <a:p>
             <a:fld id="{D9AFE361-676E-4EA1-848E-F6910BEB3DB0}" type="datetimeFigureOut">
               <a:rPr lang="fr-FR" smtClean="0"/>
-              <a:t>19/10/2017</a:t>
+              <a:t>20/10/2017</a:t>
             </a:fld>
             <a:endParaRPr lang="fr-FR"/>
           </a:p>
@@ -898,8 +898,8 @@
         </p:nvSpPr>
         <p:spPr>
           <a:xfrm>
-            <a:off x="733852" y="4211037"/>
-            <a:ext cx="7896542" cy="1301538"/>
+            <a:off x="733852" y="4441584"/>
+            <a:ext cx="7896542" cy="1372794"/>
           </a:xfrm>
         </p:spPr>
         <p:txBody>
@@ -930,8 +930,8 @@
         </p:nvSpPr>
         <p:spPr>
           <a:xfrm>
-            <a:off x="733852" y="2777527"/>
-            <a:ext cx="7896542" cy="1433512"/>
+            <a:off x="733852" y="2929591"/>
+            <a:ext cx="7896542" cy="1511994"/>
           </a:xfrm>
         </p:spPr>
         <p:txBody>
@@ -1054,7 +1054,7 @@
           <a:p>
             <a:fld id="{D9AFE361-676E-4EA1-848E-F6910BEB3DB0}" type="datetimeFigureOut">
               <a:rPr lang="fr-FR" smtClean="0"/>
-              <a:t>19/10/2017</a:t>
+              <a:t>20/10/2017</a:t>
             </a:fld>
             <a:endParaRPr lang="fr-FR"/>
           </a:p>
@@ -1167,8 +1167,8 @@
         </p:nvSpPr>
         <p:spPr>
           <a:xfrm>
-            <a:off x="464505" y="1485091"/>
-            <a:ext cx="4103105" cy="4200419"/>
+            <a:off x="464508" y="1566398"/>
+            <a:ext cx="4103105" cy="4430384"/>
           </a:xfrm>
         </p:spPr>
         <p:txBody>
@@ -1252,8 +1252,8 @@
         </p:nvSpPr>
         <p:spPr>
           <a:xfrm>
-            <a:off x="4722443" y="1485091"/>
-            <a:ext cx="4103105" cy="4200419"/>
+            <a:off x="4722446" y="1566398"/>
+            <a:ext cx="4103105" cy="4430384"/>
           </a:xfrm>
         </p:spPr>
         <p:txBody>
@@ -1342,7 +1342,7 @@
           <a:p>
             <a:fld id="{D9AFE361-676E-4EA1-848E-F6910BEB3DB0}" type="datetimeFigureOut">
               <a:rPr lang="fr-FR" smtClean="0"/>
-              <a:t>19/10/2017</a:t>
+              <a:t>20/10/2017</a:t>
             </a:fld>
             <a:endParaRPr lang="fr-FR"/>
           </a:p>
@@ -1432,8 +1432,8 @@
         </p:nvSpPr>
         <p:spPr>
           <a:xfrm>
-            <a:off x="464505" y="262433"/>
-            <a:ext cx="8361045" cy="1092200"/>
+            <a:off x="464508" y="276801"/>
+            <a:ext cx="8361045" cy="1151996"/>
           </a:xfrm>
         </p:spPr>
         <p:txBody>
@@ -1464,8 +1464,8 @@
         </p:nvSpPr>
         <p:spPr>
           <a:xfrm>
-            <a:off x="464504" y="1466886"/>
-            <a:ext cx="4104718" cy="611328"/>
+            <a:off x="464504" y="1547195"/>
+            <a:ext cx="4104718" cy="644797"/>
           </a:xfrm>
         </p:spPr>
         <p:txBody>
@@ -1529,8 +1529,8 @@
         </p:nvSpPr>
         <p:spPr>
           <a:xfrm>
-            <a:off x="464504" y="2078221"/>
-            <a:ext cx="4104718" cy="3775675"/>
+            <a:off x="464504" y="2192001"/>
+            <a:ext cx="4104718" cy="3982386"/>
           </a:xfrm>
         </p:spPr>
         <p:txBody>
@@ -1614,8 +1614,8 @@
         </p:nvSpPr>
         <p:spPr>
           <a:xfrm>
-            <a:off x="4719220" y="1466886"/>
-            <a:ext cx="4106331" cy="611328"/>
+            <a:off x="4719223" y="1547195"/>
+            <a:ext cx="4106331" cy="644797"/>
           </a:xfrm>
         </p:spPr>
         <p:txBody>
@@ -1679,8 +1679,8 @@
         </p:nvSpPr>
         <p:spPr>
           <a:xfrm>
-            <a:off x="4719220" y="2078221"/>
-            <a:ext cx="4106331" cy="3775675"/>
+            <a:off x="4719223" y="2192001"/>
+            <a:ext cx="4106331" cy="3982386"/>
           </a:xfrm>
         </p:spPr>
         <p:txBody>
@@ -1769,7 +1769,7 @@
           <a:p>
             <a:fld id="{D9AFE361-676E-4EA1-848E-F6910BEB3DB0}" type="datetimeFigureOut">
               <a:rPr lang="fr-FR" smtClean="0"/>
-              <a:t>19/10/2017</a:t>
+              <a:t>20/10/2017</a:t>
             </a:fld>
             <a:endParaRPr lang="fr-FR"/>
           </a:p>
@@ -1887,7 +1887,7 @@
           <a:p>
             <a:fld id="{D9AFE361-676E-4EA1-848E-F6910BEB3DB0}" type="datetimeFigureOut">
               <a:rPr lang="fr-FR" smtClean="0"/>
-              <a:t>19/10/2017</a:t>
+              <a:t>20/10/2017</a:t>
             </a:fld>
             <a:endParaRPr lang="fr-FR"/>
           </a:p>
@@ -1982,7 +1982,7 @@
           <a:p>
             <a:fld id="{D9AFE361-676E-4EA1-848E-F6910BEB3DB0}" type="datetimeFigureOut">
               <a:rPr lang="fr-FR" smtClean="0"/>
-              <a:t>19/10/2017</a:t>
+              <a:t>20/10/2017</a:t>
             </a:fld>
             <a:endParaRPr lang="fr-FR"/>
           </a:p>
@@ -2072,8 +2072,8 @@
         </p:nvSpPr>
         <p:spPr>
           <a:xfrm>
-            <a:off x="464507" y="260922"/>
-            <a:ext cx="3056362" cy="1110403"/>
+            <a:off x="464507" y="275208"/>
+            <a:ext cx="3056362" cy="1171196"/>
           </a:xfrm>
         </p:spPr>
         <p:txBody>
@@ -2104,8 +2104,8 @@
         </p:nvSpPr>
         <p:spPr>
           <a:xfrm>
-            <a:off x="3632155" y="260922"/>
-            <a:ext cx="5193395" cy="5592975"/>
+            <a:off x="3632158" y="275208"/>
+            <a:ext cx="5193395" cy="5899180"/>
           </a:xfrm>
         </p:spPr>
         <p:txBody>
@@ -2189,8 +2189,8 @@
         </p:nvSpPr>
         <p:spPr>
           <a:xfrm>
-            <a:off x="464507" y="1371322"/>
-            <a:ext cx="3056362" cy="4482571"/>
+            <a:off x="464507" y="1446400"/>
+            <a:ext cx="3056362" cy="4727983"/>
           </a:xfrm>
         </p:spPr>
         <p:txBody>
@@ -2259,7 +2259,7 @@
           <a:p>
             <a:fld id="{D9AFE361-676E-4EA1-848E-F6910BEB3DB0}" type="datetimeFigureOut">
               <a:rPr lang="fr-FR" smtClean="0"/>
-              <a:t>19/10/2017</a:t>
+              <a:t>20/10/2017</a:t>
             </a:fld>
             <a:endParaRPr lang="fr-FR"/>
           </a:p>
@@ -2349,8 +2349,8 @@
         </p:nvSpPr>
         <p:spPr>
           <a:xfrm>
-            <a:off x="1820917" y="4587243"/>
-            <a:ext cx="5574030" cy="541551"/>
+            <a:off x="1820917" y="4838387"/>
+            <a:ext cx="5574030" cy="571199"/>
           </a:xfrm>
         </p:spPr>
         <p:txBody>
@@ -2381,8 +2381,8 @@
         </p:nvSpPr>
         <p:spPr>
           <a:xfrm>
-            <a:off x="1820917" y="585541"/>
-            <a:ext cx="5574030" cy="3931920"/>
+            <a:off x="1820917" y="617600"/>
+            <a:ext cx="5574030" cy="4147185"/>
           </a:xfrm>
         </p:spPr>
         <p:txBody>
@@ -2442,8 +2442,8 @@
         </p:nvSpPr>
         <p:spPr>
           <a:xfrm>
-            <a:off x="1820917" y="5128792"/>
-            <a:ext cx="5574030" cy="769090"/>
+            <a:off x="1820917" y="5409584"/>
+            <a:ext cx="5574030" cy="811196"/>
           </a:xfrm>
         </p:spPr>
         <p:txBody>
@@ -2512,7 +2512,7 @@
           <a:p>
             <a:fld id="{D9AFE361-676E-4EA1-848E-F6910BEB3DB0}" type="datetimeFigureOut">
               <a:rPr lang="fr-FR" smtClean="0"/>
-              <a:t>19/10/2017</a:t>
+              <a:t>20/10/2017</a:t>
             </a:fld>
             <a:endParaRPr lang="fr-FR"/>
           </a:p>
@@ -2607,8 +2607,8 @@
         </p:nvSpPr>
         <p:spPr>
           <a:xfrm>
-            <a:off x="464505" y="262433"/>
-            <a:ext cx="8361045" cy="1092200"/>
+            <a:off x="464508" y="276801"/>
+            <a:ext cx="8361045" cy="1151996"/>
           </a:xfrm>
           <a:prstGeom prst="rect">
             <a:avLst/>
@@ -2640,8 +2640,8 @@
         </p:nvSpPr>
         <p:spPr>
           <a:xfrm>
-            <a:off x="464505" y="1529086"/>
-            <a:ext cx="8361045" cy="4324809"/>
+            <a:off x="464508" y="1612802"/>
+            <a:ext cx="8361045" cy="4561584"/>
           </a:xfrm>
           <a:prstGeom prst="rect">
             <a:avLst/>
@@ -2702,8 +2702,8 @@
         </p:nvSpPr>
         <p:spPr>
           <a:xfrm>
-            <a:off x="464505" y="6073847"/>
-            <a:ext cx="2167678" cy="348898"/>
+            <a:off x="464505" y="6406380"/>
+            <a:ext cx="2167678" cy="367999"/>
           </a:xfrm>
           <a:prstGeom prst="rect">
             <a:avLst/>
@@ -2725,7 +2725,7 @@
           <a:p>
             <a:fld id="{D9AFE361-676E-4EA1-848E-F6910BEB3DB0}" type="datetimeFigureOut">
               <a:rPr lang="fr-FR" smtClean="0"/>
-              <a:t>19/10/2017</a:t>
+              <a:t>20/10/2017</a:t>
             </a:fld>
             <a:endParaRPr lang="fr-FR"/>
           </a:p>
@@ -2743,8 +2743,8 @@
         </p:nvSpPr>
         <p:spPr>
           <a:xfrm>
-            <a:off x="3174102" y="6073847"/>
-            <a:ext cx="2941849" cy="348898"/>
+            <a:off x="3174102" y="6406380"/>
+            <a:ext cx="2941849" cy="367999"/>
           </a:xfrm>
           <a:prstGeom prst="rect">
             <a:avLst/>
@@ -2780,8 +2780,8 @@
         </p:nvSpPr>
         <p:spPr>
           <a:xfrm>
-            <a:off x="6657872" y="6073847"/>
-            <a:ext cx="2167678" cy="348898"/>
+            <a:off x="6657872" y="6406380"/>
+            <a:ext cx="2167678" cy="367999"/>
           </a:xfrm>
           <a:prstGeom prst="rect">
             <a:avLst/>
@@ -3102,7 +3102,7 @@
       </p:grpSpPr>
       <p:pic>
         <p:nvPicPr>
-          <p:cNvPr id="38" name="Picture 6"/>
+          <p:cNvPr id="149" name="Picture 6"/>
           <p:cNvPicPr>
             <a:picLocks noChangeAspect="1" noChangeArrowheads="1"/>
           </p:cNvPicPr>
@@ -3123,7 +3123,7 @@
         </p:blipFill>
         <p:spPr bwMode="auto">
           <a:xfrm>
-            <a:off x="4476179" y="-78359"/>
+            <a:off x="4476179" y="292348"/>
             <a:ext cx="5100637" cy="6692900"/>
           </a:xfrm>
           <a:prstGeom prst="rect">
@@ -3156,7 +3156,7 @@
       </p:pic>
       <p:pic>
         <p:nvPicPr>
-          <p:cNvPr id="1035" name="Picture 11"/>
+          <p:cNvPr id="150" name="Picture 11"/>
           <p:cNvPicPr>
             <a:picLocks noChangeAspect="1" noChangeArrowheads="1"/>
           </p:cNvPicPr>
@@ -3177,7 +3177,7 @@
         </p:blipFill>
         <p:spPr bwMode="auto">
           <a:xfrm>
-            <a:off x="-172800" y="-128624"/>
+            <a:off x="-172800" y="242083"/>
             <a:ext cx="5205571" cy="6789600"/>
           </a:xfrm>
           <a:prstGeom prst="rect">
@@ -3210,13 +3210,13 @@
       </p:pic>
       <p:sp>
         <p:nvSpPr>
-          <p:cNvPr id="40" name="ZoneTexte 39"/>
+          <p:cNvPr id="151" name="ZoneTexte 150"/>
           <p:cNvSpPr txBox="1"/>
           <p:nvPr/>
         </p:nvSpPr>
         <p:spPr>
           <a:xfrm>
-            <a:off x="468561" y="73224"/>
+            <a:off x="468561" y="443931"/>
             <a:ext cx="526106" cy="461665"/>
           </a:xfrm>
           <a:prstGeom prst="rect">
@@ -3246,13 +3246,13 @@
       </p:sp>
       <p:sp>
         <p:nvSpPr>
-          <p:cNvPr id="41" name="ZoneTexte 40"/>
+          <p:cNvPr id="152" name="ZoneTexte 151"/>
           <p:cNvSpPr txBox="1"/>
           <p:nvPr/>
         </p:nvSpPr>
         <p:spPr>
           <a:xfrm>
-            <a:off x="5000629" y="145232"/>
+            <a:off x="5000629" y="515939"/>
             <a:ext cx="543739" cy="461665"/>
           </a:xfrm>
           <a:prstGeom prst="rect">
@@ -3282,13 +3282,13 @@
       </p:sp>
       <p:cxnSp>
         <p:nvCxnSpPr>
-          <p:cNvPr id="10" name="Connecteur droit 9"/>
+          <p:cNvPr id="153" name="Connecteur droit 152"/>
           <p:cNvCxnSpPr/>
           <p:nvPr/>
         </p:nvCxnSpPr>
         <p:spPr>
           <a:xfrm>
-            <a:off x="1555200" y="158400"/>
+            <a:off x="1555200" y="529107"/>
             <a:ext cx="0" cy="342000"/>
           </a:xfrm>
           <a:prstGeom prst="line">
@@ -3318,13 +3318,13 @@
       </p:cxnSp>
       <p:cxnSp>
         <p:nvCxnSpPr>
-          <p:cNvPr id="48" name="Connecteur droit 47"/>
+          <p:cNvPr id="154" name="Connecteur droit 153"/>
           <p:cNvCxnSpPr/>
           <p:nvPr/>
         </p:nvCxnSpPr>
         <p:spPr>
           <a:xfrm rot="10800000">
-            <a:off x="1278000" y="1000800"/>
+            <a:off x="1278000" y="1371507"/>
             <a:ext cx="0" cy="342000"/>
           </a:xfrm>
           <a:prstGeom prst="line">
@@ -3354,13 +3354,13 @@
       </p:cxnSp>
       <p:cxnSp>
         <p:nvCxnSpPr>
-          <p:cNvPr id="49" name="Connecteur droit 48"/>
+          <p:cNvPr id="155" name="Connecteur droit 154"/>
           <p:cNvCxnSpPr/>
           <p:nvPr/>
         </p:nvCxnSpPr>
         <p:spPr>
           <a:xfrm rot="10800000">
-            <a:off x="1162800" y="637200"/>
+            <a:off x="1162800" y="1007907"/>
             <a:ext cx="0" cy="342000"/>
           </a:xfrm>
           <a:prstGeom prst="line">
@@ -3388,6 +3388,806 @@
           </a:fontRef>
         </p:style>
       </p:cxnSp>
+      <p:cxnSp>
+        <p:nvCxnSpPr>
+          <p:cNvPr id="156" name="Connecteur droit 155"/>
+          <p:cNvCxnSpPr/>
+          <p:nvPr/>
+        </p:nvCxnSpPr>
+        <p:spPr>
+          <a:xfrm>
+            <a:off x="1677294" y="36240"/>
+            <a:ext cx="0" cy="288032"/>
+          </a:xfrm>
+          <a:prstGeom prst="line">
+            <a:avLst/>
+          </a:prstGeom>
+          <a:ln w="12700">
+            <a:solidFill>
+              <a:schemeClr val="tx1"/>
+            </a:solidFill>
+          </a:ln>
+        </p:spPr>
+        <p:style>
+          <a:lnRef idx="1">
+            <a:schemeClr val="accent1"/>
+          </a:lnRef>
+          <a:fillRef idx="0">
+            <a:schemeClr val="accent1"/>
+          </a:fillRef>
+          <a:effectRef idx="0">
+            <a:schemeClr val="accent1"/>
+          </a:effectRef>
+          <a:fontRef idx="minor">
+            <a:schemeClr val="tx1"/>
+          </a:fontRef>
+        </p:style>
+      </p:cxnSp>
+      <p:cxnSp>
+        <p:nvCxnSpPr>
+          <p:cNvPr id="157" name="Connecteur droit 156"/>
+          <p:cNvCxnSpPr/>
+          <p:nvPr/>
+        </p:nvCxnSpPr>
+        <p:spPr>
+          <a:xfrm>
+            <a:off x="2844900" y="36240"/>
+            <a:ext cx="0" cy="288032"/>
+          </a:xfrm>
+          <a:prstGeom prst="line">
+            <a:avLst/>
+          </a:prstGeom>
+          <a:ln w="12700">
+            <a:solidFill>
+              <a:schemeClr val="tx1"/>
+            </a:solidFill>
+          </a:ln>
+        </p:spPr>
+        <p:style>
+          <a:lnRef idx="1">
+            <a:schemeClr val="accent1"/>
+          </a:lnRef>
+          <a:fillRef idx="0">
+            <a:schemeClr val="accent1"/>
+          </a:fillRef>
+          <a:effectRef idx="0">
+            <a:schemeClr val="accent1"/>
+          </a:effectRef>
+          <a:fontRef idx="minor">
+            <a:schemeClr val="tx1"/>
+          </a:fontRef>
+        </p:style>
+      </p:cxnSp>
+      <p:cxnSp>
+        <p:nvCxnSpPr>
+          <p:cNvPr id="158" name="Connecteur droit 157"/>
+          <p:cNvCxnSpPr/>
+          <p:nvPr/>
+        </p:nvCxnSpPr>
+        <p:spPr>
+          <a:xfrm>
+            <a:off x="3106800" y="36240"/>
+            <a:ext cx="0" cy="288032"/>
+          </a:xfrm>
+          <a:prstGeom prst="line">
+            <a:avLst/>
+          </a:prstGeom>
+          <a:ln w="12700">
+            <a:solidFill>
+              <a:schemeClr val="tx1"/>
+            </a:solidFill>
+          </a:ln>
+        </p:spPr>
+        <p:style>
+          <a:lnRef idx="1">
+            <a:schemeClr val="accent1"/>
+          </a:lnRef>
+          <a:fillRef idx="0">
+            <a:schemeClr val="accent1"/>
+          </a:fillRef>
+          <a:effectRef idx="0">
+            <a:schemeClr val="accent1"/>
+          </a:effectRef>
+          <a:fontRef idx="minor">
+            <a:schemeClr val="tx1"/>
+          </a:fontRef>
+        </p:style>
+      </p:cxnSp>
+      <p:cxnSp>
+        <p:nvCxnSpPr>
+          <p:cNvPr id="159" name="Connecteur droit 158"/>
+          <p:cNvCxnSpPr/>
+          <p:nvPr/>
+        </p:nvCxnSpPr>
+        <p:spPr>
+          <a:xfrm>
+            <a:off x="4338000" y="36240"/>
+            <a:ext cx="0" cy="288032"/>
+          </a:xfrm>
+          <a:prstGeom prst="line">
+            <a:avLst/>
+          </a:prstGeom>
+          <a:ln w="12700">
+            <a:solidFill>
+              <a:schemeClr val="tx1"/>
+            </a:solidFill>
+          </a:ln>
+        </p:spPr>
+        <p:style>
+          <a:lnRef idx="1">
+            <a:schemeClr val="accent1"/>
+          </a:lnRef>
+          <a:fillRef idx="0">
+            <a:schemeClr val="accent1"/>
+          </a:fillRef>
+          <a:effectRef idx="0">
+            <a:schemeClr val="accent1"/>
+          </a:effectRef>
+          <a:fontRef idx="minor">
+            <a:schemeClr val="tx1"/>
+          </a:fontRef>
+        </p:style>
+      </p:cxnSp>
+      <p:cxnSp>
+        <p:nvCxnSpPr>
+          <p:cNvPr id="160" name="Connecteur droit 159"/>
+          <p:cNvCxnSpPr/>
+          <p:nvPr/>
+        </p:nvCxnSpPr>
+        <p:spPr>
+          <a:xfrm>
+            <a:off x="468561" y="324272"/>
+            <a:ext cx="1208733" cy="0"/>
+          </a:xfrm>
+          <a:prstGeom prst="line">
+            <a:avLst/>
+          </a:prstGeom>
+          <a:ln w="12700">
+            <a:solidFill>
+              <a:schemeClr val="tx1"/>
+            </a:solidFill>
+          </a:ln>
+        </p:spPr>
+        <p:style>
+          <a:lnRef idx="1">
+            <a:schemeClr val="accent1"/>
+          </a:lnRef>
+          <a:fillRef idx="0">
+            <a:schemeClr val="accent1"/>
+          </a:fillRef>
+          <a:effectRef idx="0">
+            <a:schemeClr val="accent1"/>
+          </a:effectRef>
+          <a:fontRef idx="minor">
+            <a:schemeClr val="tx1"/>
+          </a:fontRef>
+        </p:style>
+      </p:cxnSp>
+      <p:cxnSp>
+        <p:nvCxnSpPr>
+          <p:cNvPr id="161" name="Connecteur droit 160"/>
+          <p:cNvCxnSpPr/>
+          <p:nvPr/>
+        </p:nvCxnSpPr>
+        <p:spPr>
+          <a:xfrm>
+            <a:off x="2844900" y="324272"/>
+            <a:ext cx="261900" cy="0"/>
+          </a:xfrm>
+          <a:prstGeom prst="line">
+            <a:avLst/>
+          </a:prstGeom>
+          <a:ln w="12700">
+            <a:solidFill>
+              <a:schemeClr val="tx1"/>
+            </a:solidFill>
+          </a:ln>
+        </p:spPr>
+        <p:style>
+          <a:lnRef idx="1">
+            <a:schemeClr val="accent1"/>
+          </a:lnRef>
+          <a:fillRef idx="0">
+            <a:schemeClr val="accent1"/>
+          </a:fillRef>
+          <a:effectRef idx="0">
+            <a:schemeClr val="accent1"/>
+          </a:effectRef>
+          <a:fontRef idx="minor">
+            <a:schemeClr val="tx1"/>
+          </a:fontRef>
+        </p:style>
+      </p:cxnSp>
+      <p:cxnSp>
+        <p:nvCxnSpPr>
+          <p:cNvPr id="162" name="Connecteur droit 161"/>
+          <p:cNvCxnSpPr/>
+          <p:nvPr/>
+        </p:nvCxnSpPr>
+        <p:spPr>
+          <a:xfrm>
+            <a:off x="4338000" y="324272"/>
+            <a:ext cx="235017" cy="0"/>
+          </a:xfrm>
+          <a:prstGeom prst="line">
+            <a:avLst/>
+          </a:prstGeom>
+          <a:ln w="12700">
+            <a:solidFill>
+              <a:schemeClr val="tx1"/>
+            </a:solidFill>
+          </a:ln>
+        </p:spPr>
+        <p:style>
+          <a:lnRef idx="1">
+            <a:schemeClr val="accent1"/>
+          </a:lnRef>
+          <a:fillRef idx="0">
+            <a:schemeClr val="accent1"/>
+          </a:fillRef>
+          <a:effectRef idx="0">
+            <a:schemeClr val="accent1"/>
+          </a:effectRef>
+          <a:fontRef idx="minor">
+            <a:schemeClr val="tx1"/>
+          </a:fontRef>
+        </p:style>
+      </p:cxnSp>
+      <p:cxnSp>
+        <p:nvCxnSpPr>
+          <p:cNvPr id="163" name="Connecteur droit 162"/>
+          <p:cNvCxnSpPr/>
+          <p:nvPr/>
+        </p:nvCxnSpPr>
+        <p:spPr>
+          <a:xfrm>
+            <a:off x="1677294" y="36240"/>
+            <a:ext cx="1167606" cy="0"/>
+          </a:xfrm>
+          <a:prstGeom prst="line">
+            <a:avLst/>
+          </a:prstGeom>
+          <a:ln w="12700">
+            <a:solidFill>
+              <a:schemeClr val="tx1"/>
+            </a:solidFill>
+          </a:ln>
+        </p:spPr>
+        <p:style>
+          <a:lnRef idx="1">
+            <a:schemeClr val="accent1"/>
+          </a:lnRef>
+          <a:fillRef idx="0">
+            <a:schemeClr val="accent1"/>
+          </a:fillRef>
+          <a:effectRef idx="0">
+            <a:schemeClr val="accent1"/>
+          </a:effectRef>
+          <a:fontRef idx="minor">
+            <a:schemeClr val="tx1"/>
+          </a:fontRef>
+        </p:style>
+      </p:cxnSp>
+      <p:cxnSp>
+        <p:nvCxnSpPr>
+          <p:cNvPr id="164" name="Connecteur droit 163"/>
+          <p:cNvCxnSpPr/>
+          <p:nvPr/>
+        </p:nvCxnSpPr>
+        <p:spPr>
+          <a:xfrm>
+            <a:off x="3106800" y="36240"/>
+            <a:ext cx="1231200" cy="0"/>
+          </a:xfrm>
+          <a:prstGeom prst="line">
+            <a:avLst/>
+          </a:prstGeom>
+          <a:ln w="12700">
+            <a:solidFill>
+              <a:schemeClr val="tx1"/>
+            </a:solidFill>
+          </a:ln>
+        </p:spPr>
+        <p:style>
+          <a:lnRef idx="1">
+            <a:schemeClr val="accent1"/>
+          </a:lnRef>
+          <a:fillRef idx="0">
+            <a:schemeClr val="accent1"/>
+          </a:fillRef>
+          <a:effectRef idx="0">
+            <a:schemeClr val="accent1"/>
+          </a:effectRef>
+          <a:fontRef idx="minor">
+            <a:schemeClr val="tx1"/>
+          </a:fontRef>
+        </p:style>
+      </p:cxnSp>
+      <p:sp>
+        <p:nvSpPr>
+          <p:cNvPr id="165" name="ZoneTexte 164"/>
+          <p:cNvSpPr txBox="1"/>
+          <p:nvPr/>
+        </p:nvSpPr>
+        <p:spPr>
+          <a:xfrm>
+            <a:off x="1645200" y="36240"/>
+            <a:ext cx="1237839" cy="338554"/>
+          </a:xfrm>
+          <a:prstGeom prst="rect">
+            <a:avLst/>
+          </a:prstGeom>
+          <a:noFill/>
+          <a:ln w="12700">
+            <a:noFill/>
+          </a:ln>
+        </p:spPr>
+        <p:txBody>
+          <a:bodyPr wrap="none" rtlCol="0">
+            <a:spAutoFit/>
+          </a:bodyPr>
+          <a:lstStyle/>
+          <a:p>
+            <a:r>
+              <a:rPr lang="fr-FR" sz="1600" dirty="0" smtClean="0">
+                <a:latin typeface="Times New Roman" panose="02020603050405020304" pitchFamily="18" charset="0"/>
+                <a:cs typeface="Times New Roman" panose="02020603050405020304" pitchFamily="18" charset="0"/>
+              </a:rPr>
+              <a:t>NRES Probe</a:t>
+            </a:r>
+            <a:endParaRPr lang="fr-FR" sz="1600" dirty="0">
+              <a:latin typeface="Times New Roman" panose="02020603050405020304" pitchFamily="18" charset="0"/>
+              <a:cs typeface="Times New Roman" panose="02020603050405020304" pitchFamily="18" charset="0"/>
+            </a:endParaRPr>
+          </a:p>
+        </p:txBody>
+      </p:sp>
+      <p:sp>
+        <p:nvSpPr>
+          <p:cNvPr id="166" name="ZoneTexte 165"/>
+          <p:cNvSpPr txBox="1"/>
+          <p:nvPr/>
+        </p:nvSpPr>
+        <p:spPr>
+          <a:xfrm>
+            <a:off x="3194622" y="36240"/>
+            <a:ext cx="1090363" cy="338554"/>
+          </a:xfrm>
+          <a:prstGeom prst="rect">
+            <a:avLst/>
+          </a:prstGeom>
+          <a:noFill/>
+          <a:ln w="12700">
+            <a:noFill/>
+          </a:ln>
+        </p:spPr>
+        <p:txBody>
+          <a:bodyPr wrap="none" rtlCol="0">
+            <a:spAutoFit/>
+          </a:bodyPr>
+          <a:lstStyle/>
+          <a:p>
+            <a:r>
+              <a:rPr lang="fr-FR" sz="1600" dirty="0" smtClean="0">
+                <a:latin typeface="Times New Roman" panose="02020603050405020304" pitchFamily="18" charset="0"/>
+                <a:cs typeface="Times New Roman" panose="02020603050405020304" pitchFamily="18" charset="0"/>
+              </a:rPr>
+              <a:t>RES </a:t>
+            </a:r>
+            <a:r>
+              <a:rPr lang="fr-FR" sz="1600" dirty="0" err="1" smtClean="0">
+                <a:latin typeface="Times New Roman" panose="02020603050405020304" pitchFamily="18" charset="0"/>
+                <a:cs typeface="Times New Roman" panose="02020603050405020304" pitchFamily="18" charset="0"/>
+              </a:rPr>
+              <a:t>Pump</a:t>
+            </a:r>
+            <a:endParaRPr lang="fr-FR" sz="1600" dirty="0">
+              <a:latin typeface="Times New Roman" panose="02020603050405020304" pitchFamily="18" charset="0"/>
+              <a:cs typeface="Times New Roman" panose="02020603050405020304" pitchFamily="18" charset="0"/>
+            </a:endParaRPr>
+          </a:p>
+        </p:txBody>
+      </p:sp>
+      <p:cxnSp>
+        <p:nvCxnSpPr>
+          <p:cNvPr id="167" name="Connecteur droit 166"/>
+          <p:cNvCxnSpPr/>
+          <p:nvPr/>
+        </p:nvCxnSpPr>
+        <p:spPr>
+          <a:xfrm>
+            <a:off x="5509121" y="36240"/>
+            <a:ext cx="0" cy="288032"/>
+          </a:xfrm>
+          <a:prstGeom prst="line">
+            <a:avLst/>
+          </a:prstGeom>
+          <a:ln w="12700">
+            <a:solidFill>
+              <a:schemeClr val="tx1"/>
+            </a:solidFill>
+          </a:ln>
+        </p:spPr>
+        <p:style>
+          <a:lnRef idx="1">
+            <a:schemeClr val="accent1"/>
+          </a:lnRef>
+          <a:fillRef idx="0">
+            <a:schemeClr val="accent1"/>
+          </a:fillRef>
+          <a:effectRef idx="0">
+            <a:schemeClr val="accent1"/>
+          </a:effectRef>
+          <a:fontRef idx="minor">
+            <a:schemeClr val="tx1"/>
+          </a:fontRef>
+        </p:style>
+      </p:cxnSp>
+      <p:cxnSp>
+        <p:nvCxnSpPr>
+          <p:cNvPr id="168" name="Connecteur droit 167"/>
+          <p:cNvCxnSpPr/>
+          <p:nvPr/>
+        </p:nvCxnSpPr>
+        <p:spPr>
+          <a:xfrm>
+            <a:off x="7021289" y="36240"/>
+            <a:ext cx="0" cy="288032"/>
+          </a:xfrm>
+          <a:prstGeom prst="line">
+            <a:avLst/>
+          </a:prstGeom>
+          <a:ln w="12700">
+            <a:solidFill>
+              <a:schemeClr val="tx1"/>
+            </a:solidFill>
+          </a:ln>
+        </p:spPr>
+        <p:style>
+          <a:lnRef idx="1">
+            <a:schemeClr val="accent1"/>
+          </a:lnRef>
+          <a:fillRef idx="0">
+            <a:schemeClr val="accent1"/>
+          </a:fillRef>
+          <a:effectRef idx="0">
+            <a:schemeClr val="accent1"/>
+          </a:effectRef>
+          <a:fontRef idx="minor">
+            <a:schemeClr val="tx1"/>
+          </a:fontRef>
+        </p:style>
+      </p:cxnSp>
+      <p:cxnSp>
+        <p:nvCxnSpPr>
+          <p:cNvPr id="169" name="Connecteur droit 168"/>
+          <p:cNvCxnSpPr/>
+          <p:nvPr/>
+        </p:nvCxnSpPr>
+        <p:spPr>
+          <a:xfrm>
+            <a:off x="7309321" y="36240"/>
+            <a:ext cx="0" cy="288032"/>
+          </a:xfrm>
+          <a:prstGeom prst="line">
+            <a:avLst/>
+          </a:prstGeom>
+          <a:ln w="12700">
+            <a:solidFill>
+              <a:schemeClr val="tx1"/>
+            </a:solidFill>
+          </a:ln>
+        </p:spPr>
+        <p:style>
+          <a:lnRef idx="1">
+            <a:schemeClr val="accent1"/>
+          </a:lnRef>
+          <a:fillRef idx="0">
+            <a:schemeClr val="accent1"/>
+          </a:fillRef>
+          <a:effectRef idx="0">
+            <a:schemeClr val="accent1"/>
+          </a:effectRef>
+          <a:fontRef idx="minor">
+            <a:schemeClr val="tx1"/>
+          </a:fontRef>
+        </p:style>
+      </p:cxnSp>
+      <p:cxnSp>
+        <p:nvCxnSpPr>
+          <p:cNvPr id="170" name="Connecteur droit 169"/>
+          <p:cNvCxnSpPr/>
+          <p:nvPr/>
+        </p:nvCxnSpPr>
+        <p:spPr>
+          <a:xfrm>
+            <a:off x="8893497" y="36240"/>
+            <a:ext cx="0" cy="288032"/>
+          </a:xfrm>
+          <a:prstGeom prst="line">
+            <a:avLst/>
+          </a:prstGeom>
+          <a:ln w="12700">
+            <a:solidFill>
+              <a:schemeClr val="tx1"/>
+            </a:solidFill>
+          </a:ln>
+        </p:spPr>
+        <p:style>
+          <a:lnRef idx="1">
+            <a:schemeClr val="accent1"/>
+          </a:lnRef>
+          <a:fillRef idx="0">
+            <a:schemeClr val="accent1"/>
+          </a:fillRef>
+          <a:effectRef idx="0">
+            <a:schemeClr val="accent1"/>
+          </a:effectRef>
+          <a:fontRef idx="minor">
+            <a:schemeClr val="tx1"/>
+          </a:fontRef>
+        </p:style>
+      </p:cxnSp>
+      <p:cxnSp>
+        <p:nvCxnSpPr>
+          <p:cNvPr id="171" name="Connecteur droit 170"/>
+          <p:cNvCxnSpPr/>
+          <p:nvPr/>
+        </p:nvCxnSpPr>
+        <p:spPr>
+          <a:xfrm>
+            <a:off x="5055285" y="324272"/>
+            <a:ext cx="453836" cy="0"/>
+          </a:xfrm>
+          <a:prstGeom prst="line">
+            <a:avLst/>
+          </a:prstGeom>
+          <a:ln w="12700">
+            <a:solidFill>
+              <a:schemeClr val="tx1"/>
+            </a:solidFill>
+          </a:ln>
+        </p:spPr>
+        <p:style>
+          <a:lnRef idx="1">
+            <a:schemeClr val="accent1"/>
+          </a:lnRef>
+          <a:fillRef idx="0">
+            <a:schemeClr val="accent1"/>
+          </a:fillRef>
+          <a:effectRef idx="0">
+            <a:schemeClr val="accent1"/>
+          </a:effectRef>
+          <a:fontRef idx="minor">
+            <a:schemeClr val="tx1"/>
+          </a:fontRef>
+        </p:style>
+      </p:cxnSp>
+      <p:cxnSp>
+        <p:nvCxnSpPr>
+          <p:cNvPr id="172" name="Connecteur droit 171"/>
+          <p:cNvCxnSpPr/>
+          <p:nvPr/>
+        </p:nvCxnSpPr>
+        <p:spPr>
+          <a:xfrm>
+            <a:off x="7026497" y="324272"/>
+            <a:ext cx="282824" cy="0"/>
+          </a:xfrm>
+          <a:prstGeom prst="line">
+            <a:avLst/>
+          </a:prstGeom>
+          <a:ln w="12700">
+            <a:solidFill>
+              <a:schemeClr val="tx1"/>
+            </a:solidFill>
+          </a:ln>
+        </p:spPr>
+        <p:style>
+          <a:lnRef idx="1">
+            <a:schemeClr val="accent1"/>
+          </a:lnRef>
+          <a:fillRef idx="0">
+            <a:schemeClr val="accent1"/>
+          </a:fillRef>
+          <a:effectRef idx="0">
+            <a:schemeClr val="accent1"/>
+          </a:effectRef>
+          <a:fontRef idx="minor">
+            <a:schemeClr val="tx1"/>
+          </a:fontRef>
+        </p:style>
+      </p:cxnSp>
+      <p:cxnSp>
+        <p:nvCxnSpPr>
+          <p:cNvPr id="173" name="Connecteur droit 172"/>
+          <p:cNvCxnSpPr/>
+          <p:nvPr/>
+        </p:nvCxnSpPr>
+        <p:spPr>
+          <a:xfrm>
+            <a:off x="8898705" y="324272"/>
+            <a:ext cx="282824" cy="0"/>
+          </a:xfrm>
+          <a:prstGeom prst="line">
+            <a:avLst/>
+          </a:prstGeom>
+          <a:ln w="12700">
+            <a:solidFill>
+              <a:schemeClr val="tx1"/>
+            </a:solidFill>
+          </a:ln>
+        </p:spPr>
+        <p:style>
+          <a:lnRef idx="1">
+            <a:schemeClr val="accent1"/>
+          </a:lnRef>
+          <a:fillRef idx="0">
+            <a:schemeClr val="accent1"/>
+          </a:fillRef>
+          <a:effectRef idx="0">
+            <a:schemeClr val="accent1"/>
+          </a:effectRef>
+          <a:fontRef idx="minor">
+            <a:schemeClr val="tx1"/>
+          </a:fontRef>
+        </p:style>
+      </p:cxnSp>
+      <p:cxnSp>
+        <p:nvCxnSpPr>
+          <p:cNvPr id="174" name="Connecteur droit 173"/>
+          <p:cNvCxnSpPr/>
+          <p:nvPr/>
+        </p:nvCxnSpPr>
+        <p:spPr>
+          <a:xfrm>
+            <a:off x="5509121" y="36240"/>
+            <a:ext cx="1517376" cy="0"/>
+          </a:xfrm>
+          <a:prstGeom prst="line">
+            <a:avLst/>
+          </a:prstGeom>
+          <a:ln w="12700">
+            <a:solidFill>
+              <a:schemeClr val="tx1"/>
+            </a:solidFill>
+          </a:ln>
+        </p:spPr>
+        <p:style>
+          <a:lnRef idx="1">
+            <a:schemeClr val="accent1"/>
+          </a:lnRef>
+          <a:fillRef idx="0">
+            <a:schemeClr val="accent1"/>
+          </a:fillRef>
+          <a:effectRef idx="0">
+            <a:schemeClr val="accent1"/>
+          </a:effectRef>
+          <a:fontRef idx="minor">
+            <a:schemeClr val="tx1"/>
+          </a:fontRef>
+        </p:style>
+      </p:cxnSp>
+      <p:cxnSp>
+        <p:nvCxnSpPr>
+          <p:cNvPr id="175" name="Connecteur droit 174"/>
+          <p:cNvCxnSpPr/>
+          <p:nvPr/>
+        </p:nvCxnSpPr>
+        <p:spPr>
+          <a:xfrm>
+            <a:off x="7309321" y="36240"/>
+            <a:ext cx="1584176" cy="0"/>
+          </a:xfrm>
+          <a:prstGeom prst="line">
+            <a:avLst/>
+          </a:prstGeom>
+          <a:ln w="12700">
+            <a:solidFill>
+              <a:schemeClr val="tx1"/>
+            </a:solidFill>
+          </a:ln>
+        </p:spPr>
+        <p:style>
+          <a:lnRef idx="1">
+            <a:schemeClr val="accent1"/>
+          </a:lnRef>
+          <a:fillRef idx="0">
+            <a:schemeClr val="accent1"/>
+          </a:fillRef>
+          <a:effectRef idx="0">
+            <a:schemeClr val="accent1"/>
+          </a:effectRef>
+          <a:fontRef idx="minor">
+            <a:schemeClr val="tx1"/>
+          </a:fontRef>
+        </p:style>
+      </p:cxnSp>
+      <p:sp>
+        <p:nvSpPr>
+          <p:cNvPr id="176" name="ZoneTexte 175"/>
+          <p:cNvSpPr txBox="1"/>
+          <p:nvPr/>
+        </p:nvSpPr>
+        <p:spPr>
+          <a:xfrm>
+            <a:off x="5711442" y="36240"/>
+            <a:ext cx="1237839" cy="338554"/>
+          </a:xfrm>
+          <a:prstGeom prst="rect">
+            <a:avLst/>
+          </a:prstGeom>
+          <a:noFill/>
+          <a:ln w="12700">
+            <a:noFill/>
+          </a:ln>
+        </p:spPr>
+        <p:txBody>
+          <a:bodyPr wrap="none" rtlCol="0">
+            <a:spAutoFit/>
+          </a:bodyPr>
+          <a:lstStyle/>
+          <a:p>
+            <a:r>
+              <a:rPr lang="fr-FR" sz="1600" dirty="0" smtClean="0">
+                <a:latin typeface="Times New Roman" panose="02020603050405020304" pitchFamily="18" charset="0"/>
+                <a:cs typeface="Times New Roman" panose="02020603050405020304" pitchFamily="18" charset="0"/>
+              </a:rPr>
+              <a:t>NRES Probe</a:t>
+            </a:r>
+            <a:endParaRPr lang="fr-FR" sz="1600" dirty="0">
+              <a:latin typeface="Times New Roman" panose="02020603050405020304" pitchFamily="18" charset="0"/>
+              <a:cs typeface="Times New Roman" panose="02020603050405020304" pitchFamily="18" charset="0"/>
+            </a:endParaRPr>
+          </a:p>
+        </p:txBody>
+      </p:sp>
+      <p:sp>
+        <p:nvSpPr>
+          <p:cNvPr id="177" name="ZoneTexte 176"/>
+          <p:cNvSpPr txBox="1"/>
+          <p:nvPr/>
+        </p:nvSpPr>
+        <p:spPr>
+          <a:xfrm>
+            <a:off x="7587110" y="36240"/>
+            <a:ext cx="1090363" cy="338554"/>
+          </a:xfrm>
+          <a:prstGeom prst="rect">
+            <a:avLst/>
+          </a:prstGeom>
+          <a:noFill/>
+          <a:ln w="12700">
+            <a:noFill/>
+          </a:ln>
+        </p:spPr>
+        <p:txBody>
+          <a:bodyPr wrap="none" rtlCol="0">
+            <a:spAutoFit/>
+          </a:bodyPr>
+          <a:lstStyle/>
+          <a:p>
+            <a:r>
+              <a:rPr lang="fr-FR" sz="1600" dirty="0" smtClean="0">
+                <a:latin typeface="Times New Roman" panose="02020603050405020304" pitchFamily="18" charset="0"/>
+                <a:cs typeface="Times New Roman" panose="02020603050405020304" pitchFamily="18" charset="0"/>
+              </a:rPr>
+              <a:t>RES </a:t>
+            </a:r>
+            <a:r>
+              <a:rPr lang="fr-FR" sz="1600" dirty="0" err="1" smtClean="0">
+                <a:latin typeface="Times New Roman" panose="02020603050405020304" pitchFamily="18" charset="0"/>
+                <a:cs typeface="Times New Roman" panose="02020603050405020304" pitchFamily="18" charset="0"/>
+              </a:rPr>
+              <a:t>Pump</a:t>
+            </a:r>
+            <a:endParaRPr lang="fr-FR" sz="1600" dirty="0">
+              <a:latin typeface="Times New Roman" panose="02020603050405020304" pitchFamily="18" charset="0"/>
+              <a:cs typeface="Times New Roman" panose="02020603050405020304" pitchFamily="18" charset="0"/>
+            </a:endParaRPr>
+          </a:p>
+        </p:txBody>
+      </p:sp>
     </p:spTree>
     <p:extLst>
       <p:ext uri="{BB962C8B-B14F-4D97-AF65-F5344CB8AC3E}">

--- a/05-CrDyn/Pictures/Pump0.pptx
+++ b/05-CrDyn/Pictures/Pump0.pptx
@@ -288,7 +288,7 @@
           <a:p>
             <a:fld id="{D9AFE361-676E-4EA1-848E-F6910BEB3DB0}" type="datetimeFigureOut">
               <a:rPr lang="fr-FR" smtClean="0"/>
-              <a:t>20/10/2017</a:t>
+              <a:t>24/10/2017</a:t>
             </a:fld>
             <a:endParaRPr lang="fr-FR"/>
           </a:p>
@@ -458,7 +458,7 @@
           <a:p>
             <a:fld id="{D9AFE361-676E-4EA1-848E-F6910BEB3DB0}" type="datetimeFigureOut">
               <a:rPr lang="fr-FR" smtClean="0"/>
-              <a:t>20/10/2017</a:t>
+              <a:t>24/10/2017</a:t>
             </a:fld>
             <a:endParaRPr lang="fr-FR"/>
           </a:p>
@@ -638,7 +638,7 @@
           <a:p>
             <a:fld id="{D9AFE361-676E-4EA1-848E-F6910BEB3DB0}" type="datetimeFigureOut">
               <a:rPr lang="fr-FR" smtClean="0"/>
-              <a:t>20/10/2017</a:t>
+              <a:t>24/10/2017</a:t>
             </a:fld>
             <a:endParaRPr lang="fr-FR"/>
           </a:p>
@@ -808,7 +808,7 @@
           <a:p>
             <a:fld id="{D9AFE361-676E-4EA1-848E-F6910BEB3DB0}" type="datetimeFigureOut">
               <a:rPr lang="fr-FR" smtClean="0"/>
-              <a:t>20/10/2017</a:t>
+              <a:t>24/10/2017</a:t>
             </a:fld>
             <a:endParaRPr lang="fr-FR"/>
           </a:p>
@@ -1054,7 +1054,7 @@
           <a:p>
             <a:fld id="{D9AFE361-676E-4EA1-848E-F6910BEB3DB0}" type="datetimeFigureOut">
               <a:rPr lang="fr-FR" smtClean="0"/>
-              <a:t>20/10/2017</a:t>
+              <a:t>24/10/2017</a:t>
             </a:fld>
             <a:endParaRPr lang="fr-FR"/>
           </a:p>
@@ -1342,7 +1342,7 @@
           <a:p>
             <a:fld id="{D9AFE361-676E-4EA1-848E-F6910BEB3DB0}" type="datetimeFigureOut">
               <a:rPr lang="fr-FR" smtClean="0"/>
-              <a:t>20/10/2017</a:t>
+              <a:t>24/10/2017</a:t>
             </a:fld>
             <a:endParaRPr lang="fr-FR"/>
           </a:p>
@@ -1769,7 +1769,7 @@
           <a:p>
             <a:fld id="{D9AFE361-676E-4EA1-848E-F6910BEB3DB0}" type="datetimeFigureOut">
               <a:rPr lang="fr-FR" smtClean="0"/>
-              <a:t>20/10/2017</a:t>
+              <a:t>24/10/2017</a:t>
             </a:fld>
             <a:endParaRPr lang="fr-FR"/>
           </a:p>
@@ -1887,7 +1887,7 @@
           <a:p>
             <a:fld id="{D9AFE361-676E-4EA1-848E-F6910BEB3DB0}" type="datetimeFigureOut">
               <a:rPr lang="fr-FR" smtClean="0"/>
-              <a:t>20/10/2017</a:t>
+              <a:t>24/10/2017</a:t>
             </a:fld>
             <a:endParaRPr lang="fr-FR"/>
           </a:p>
@@ -1982,7 +1982,7 @@
           <a:p>
             <a:fld id="{D9AFE361-676E-4EA1-848E-F6910BEB3DB0}" type="datetimeFigureOut">
               <a:rPr lang="fr-FR" smtClean="0"/>
-              <a:t>20/10/2017</a:t>
+              <a:t>24/10/2017</a:t>
             </a:fld>
             <a:endParaRPr lang="fr-FR"/>
           </a:p>
@@ -2259,7 +2259,7 @@
           <a:p>
             <a:fld id="{D9AFE361-676E-4EA1-848E-F6910BEB3DB0}" type="datetimeFigureOut">
               <a:rPr lang="fr-FR" smtClean="0"/>
-              <a:t>20/10/2017</a:t>
+              <a:t>24/10/2017</a:t>
             </a:fld>
             <a:endParaRPr lang="fr-FR"/>
           </a:p>
@@ -2512,7 +2512,7 @@
           <a:p>
             <a:fld id="{D9AFE361-676E-4EA1-848E-F6910BEB3DB0}" type="datetimeFigureOut">
               <a:rPr lang="fr-FR" smtClean="0"/>
-              <a:t>20/10/2017</a:t>
+              <a:t>24/10/2017</a:t>
             </a:fld>
             <a:endParaRPr lang="fr-FR"/>
           </a:p>
@@ -2725,7 +2725,7 @@
           <a:p>
             <a:fld id="{D9AFE361-676E-4EA1-848E-F6910BEB3DB0}" type="datetimeFigureOut">
               <a:rPr lang="fr-FR" smtClean="0"/>
-              <a:t>20/10/2017</a:t>
+              <a:t>24/10/2017</a:t>
             </a:fld>
             <a:endParaRPr lang="fr-FR"/>
           </a:p>
@@ -3102,7 +3102,7 @@
       </p:grpSpPr>
       <p:pic>
         <p:nvPicPr>
-          <p:cNvPr id="149" name="Picture 6"/>
+          <p:cNvPr id="1027" name="Picture 3"/>
           <p:cNvPicPr>
             <a:picLocks noChangeAspect="1" noChangeArrowheads="1"/>
           </p:cNvPicPr>
@@ -3123,7 +3123,7 @@
         </p:blipFill>
         <p:spPr bwMode="auto">
           <a:xfrm>
-            <a:off x="4476179" y="292348"/>
+            <a:off x="4474800" y="291600"/>
             <a:ext cx="5100637" cy="6692900"/>
           </a:xfrm>
           <a:prstGeom prst="rect">
@@ -3156,7 +3156,7 @@
       </p:pic>
       <p:pic>
         <p:nvPicPr>
-          <p:cNvPr id="150" name="Picture 11"/>
+          <p:cNvPr id="1026" name="Picture 2"/>
           <p:cNvPicPr>
             <a:picLocks noChangeAspect="1" noChangeArrowheads="1"/>
           </p:cNvPicPr>
@@ -3177,8 +3177,8 @@
         </p:blipFill>
         <p:spPr bwMode="auto">
           <a:xfrm>
-            <a:off x="-172800" y="242083"/>
-            <a:ext cx="5205571" cy="6789600"/>
+            <a:off x="-172800" y="241200"/>
+            <a:ext cx="5205600" cy="6789637"/>
           </a:xfrm>
           <a:prstGeom prst="rect">
             <a:avLst/>
@@ -3280,114 +3280,6 @@
           </a:p>
         </p:txBody>
       </p:sp>
-      <p:cxnSp>
-        <p:nvCxnSpPr>
-          <p:cNvPr id="153" name="Connecteur droit 152"/>
-          <p:cNvCxnSpPr/>
-          <p:nvPr/>
-        </p:nvCxnSpPr>
-        <p:spPr>
-          <a:xfrm>
-            <a:off x="1555200" y="529107"/>
-            <a:ext cx="0" cy="342000"/>
-          </a:xfrm>
-          <a:prstGeom prst="line">
-            <a:avLst/>
-          </a:prstGeom>
-          <a:ln w="15875">
-            <a:solidFill>
-              <a:srgbClr val="00B050"/>
-            </a:solidFill>
-            <a:tailEnd type="arrow"/>
-          </a:ln>
-        </p:spPr>
-        <p:style>
-          <a:lnRef idx="1">
-            <a:schemeClr val="accent1"/>
-          </a:lnRef>
-          <a:fillRef idx="0">
-            <a:schemeClr val="accent1"/>
-          </a:fillRef>
-          <a:effectRef idx="0">
-            <a:schemeClr val="accent1"/>
-          </a:effectRef>
-          <a:fontRef idx="minor">
-            <a:schemeClr val="tx1"/>
-          </a:fontRef>
-        </p:style>
-      </p:cxnSp>
-      <p:cxnSp>
-        <p:nvCxnSpPr>
-          <p:cNvPr id="154" name="Connecteur droit 153"/>
-          <p:cNvCxnSpPr/>
-          <p:nvPr/>
-        </p:nvCxnSpPr>
-        <p:spPr>
-          <a:xfrm rot="10800000">
-            <a:off x="1278000" y="1371507"/>
-            <a:ext cx="0" cy="342000"/>
-          </a:xfrm>
-          <a:prstGeom prst="line">
-            <a:avLst/>
-          </a:prstGeom>
-          <a:ln w="15875">
-            <a:solidFill>
-              <a:schemeClr val="tx1"/>
-            </a:solidFill>
-            <a:tailEnd type="arrow"/>
-          </a:ln>
-        </p:spPr>
-        <p:style>
-          <a:lnRef idx="1">
-            <a:schemeClr val="accent1"/>
-          </a:lnRef>
-          <a:fillRef idx="0">
-            <a:schemeClr val="accent1"/>
-          </a:fillRef>
-          <a:effectRef idx="0">
-            <a:schemeClr val="accent1"/>
-          </a:effectRef>
-          <a:fontRef idx="minor">
-            <a:schemeClr val="tx1"/>
-          </a:fontRef>
-        </p:style>
-      </p:cxnSp>
-      <p:cxnSp>
-        <p:nvCxnSpPr>
-          <p:cNvPr id="155" name="Connecteur droit 154"/>
-          <p:cNvCxnSpPr/>
-          <p:nvPr/>
-        </p:nvCxnSpPr>
-        <p:spPr>
-          <a:xfrm rot="10800000">
-            <a:off x="1162800" y="1007907"/>
-            <a:ext cx="0" cy="342000"/>
-          </a:xfrm>
-          <a:prstGeom prst="line">
-            <a:avLst/>
-          </a:prstGeom>
-          <a:ln w="15875">
-            <a:solidFill>
-              <a:srgbClr val="C00000"/>
-            </a:solidFill>
-            <a:tailEnd type="arrow"/>
-          </a:ln>
-        </p:spPr>
-        <p:style>
-          <a:lnRef idx="1">
-            <a:schemeClr val="accent1"/>
-          </a:lnRef>
-          <a:fillRef idx="0">
-            <a:schemeClr val="accent1"/>
-          </a:fillRef>
-          <a:effectRef idx="0">
-            <a:schemeClr val="accent1"/>
-          </a:effectRef>
-          <a:fontRef idx="minor">
-            <a:schemeClr val="tx1"/>
-          </a:fontRef>
-        </p:style>
-      </p:cxnSp>
       <p:cxnSp>
         <p:nvCxnSpPr>
           <p:cNvPr id="156" name="Connecteur droit 155"/>
@@ -3788,339 +3680,21 @@
           </a:p>
         </p:txBody>
       </p:sp>
-      <p:cxnSp>
-        <p:nvCxnSpPr>
-          <p:cNvPr id="167" name="Connecteur droit 166"/>
-          <p:cNvCxnSpPr/>
+      <p:sp>
+        <p:nvSpPr>
+          <p:cNvPr id="32" name="ZoneTexte 31"/>
+          <p:cNvSpPr txBox="1"/>
           <p:nvPr/>
-        </p:nvCxnSpPr>
+        </p:nvSpPr>
         <p:spPr>
           <a:xfrm>
-            <a:off x="5509121" y="36240"/>
-            <a:ext cx="0" cy="288032"/>
-          </a:xfrm>
-          <a:prstGeom prst="line">
-            <a:avLst/>
-          </a:prstGeom>
-          <a:ln w="12700">
-            <a:solidFill>
-              <a:schemeClr val="tx1"/>
-            </a:solidFill>
-          </a:ln>
-        </p:spPr>
-        <p:style>
-          <a:lnRef idx="1">
-            <a:schemeClr val="accent1"/>
-          </a:lnRef>
-          <a:fillRef idx="0">
-            <a:schemeClr val="accent1"/>
-          </a:fillRef>
-          <a:effectRef idx="0">
-            <a:schemeClr val="accent1"/>
-          </a:effectRef>
-          <a:fontRef idx="minor">
-            <a:schemeClr val="tx1"/>
-          </a:fontRef>
-        </p:style>
-      </p:cxnSp>
-      <p:cxnSp>
-        <p:nvCxnSpPr>
-          <p:cNvPr id="168" name="Connecteur droit 167"/>
-          <p:cNvCxnSpPr/>
-          <p:nvPr/>
-        </p:nvCxnSpPr>
-        <p:spPr>
-          <a:xfrm>
-            <a:off x="7021289" y="36240"/>
-            <a:ext cx="0" cy="288032"/>
-          </a:xfrm>
-          <a:prstGeom prst="line">
-            <a:avLst/>
-          </a:prstGeom>
-          <a:ln w="12700">
-            <a:solidFill>
-              <a:schemeClr val="tx1"/>
-            </a:solidFill>
-          </a:ln>
-        </p:spPr>
-        <p:style>
-          <a:lnRef idx="1">
-            <a:schemeClr val="accent1"/>
-          </a:lnRef>
-          <a:fillRef idx="0">
-            <a:schemeClr val="accent1"/>
-          </a:fillRef>
-          <a:effectRef idx="0">
-            <a:schemeClr val="accent1"/>
-          </a:effectRef>
-          <a:fontRef idx="minor">
-            <a:schemeClr val="tx1"/>
-          </a:fontRef>
-        </p:style>
-      </p:cxnSp>
-      <p:cxnSp>
-        <p:nvCxnSpPr>
-          <p:cNvPr id="169" name="Connecteur droit 168"/>
-          <p:cNvCxnSpPr/>
-          <p:nvPr/>
-        </p:nvCxnSpPr>
-        <p:spPr>
-          <a:xfrm>
-            <a:off x="7309321" y="36240"/>
-            <a:ext cx="0" cy="288032"/>
-          </a:xfrm>
-          <a:prstGeom prst="line">
-            <a:avLst/>
-          </a:prstGeom>
-          <a:ln w="12700">
-            <a:solidFill>
-              <a:schemeClr val="tx1"/>
-            </a:solidFill>
-          </a:ln>
-        </p:spPr>
-        <p:style>
-          <a:lnRef idx="1">
-            <a:schemeClr val="accent1"/>
-          </a:lnRef>
-          <a:fillRef idx="0">
-            <a:schemeClr val="accent1"/>
-          </a:fillRef>
-          <a:effectRef idx="0">
-            <a:schemeClr val="accent1"/>
-          </a:effectRef>
-          <a:fontRef idx="minor">
-            <a:schemeClr val="tx1"/>
-          </a:fontRef>
-        </p:style>
-      </p:cxnSp>
-      <p:cxnSp>
-        <p:nvCxnSpPr>
-          <p:cNvPr id="170" name="Connecteur droit 169"/>
-          <p:cNvCxnSpPr/>
-          <p:nvPr/>
-        </p:nvCxnSpPr>
-        <p:spPr>
-          <a:xfrm>
-            <a:off x="8893497" y="36240"/>
-            <a:ext cx="0" cy="288032"/>
-          </a:xfrm>
-          <a:prstGeom prst="line">
-            <a:avLst/>
-          </a:prstGeom>
-          <a:ln w="12700">
-            <a:solidFill>
-              <a:schemeClr val="tx1"/>
-            </a:solidFill>
-          </a:ln>
-        </p:spPr>
-        <p:style>
-          <a:lnRef idx="1">
-            <a:schemeClr val="accent1"/>
-          </a:lnRef>
-          <a:fillRef idx="0">
-            <a:schemeClr val="accent1"/>
-          </a:fillRef>
-          <a:effectRef idx="0">
-            <a:schemeClr val="accent1"/>
-          </a:effectRef>
-          <a:fontRef idx="minor">
-            <a:schemeClr val="tx1"/>
-          </a:fontRef>
-        </p:style>
-      </p:cxnSp>
-      <p:cxnSp>
-        <p:nvCxnSpPr>
-          <p:cNvPr id="171" name="Connecteur droit 170"/>
-          <p:cNvCxnSpPr/>
-          <p:nvPr/>
-        </p:nvCxnSpPr>
-        <p:spPr>
-          <a:xfrm>
-            <a:off x="5055285" y="324272"/>
-            <a:ext cx="453836" cy="0"/>
-          </a:xfrm>
-          <a:prstGeom prst="line">
-            <a:avLst/>
-          </a:prstGeom>
-          <a:ln w="12700">
-            <a:solidFill>
-              <a:schemeClr val="tx1"/>
-            </a:solidFill>
-          </a:ln>
-        </p:spPr>
-        <p:style>
-          <a:lnRef idx="1">
-            <a:schemeClr val="accent1"/>
-          </a:lnRef>
-          <a:fillRef idx="0">
-            <a:schemeClr val="accent1"/>
-          </a:fillRef>
-          <a:effectRef idx="0">
-            <a:schemeClr val="accent1"/>
-          </a:effectRef>
-          <a:fontRef idx="minor">
-            <a:schemeClr val="tx1"/>
-          </a:fontRef>
-        </p:style>
-      </p:cxnSp>
-      <p:cxnSp>
-        <p:nvCxnSpPr>
-          <p:cNvPr id="172" name="Connecteur droit 171"/>
-          <p:cNvCxnSpPr/>
-          <p:nvPr/>
-        </p:nvCxnSpPr>
-        <p:spPr>
-          <a:xfrm>
-            <a:off x="7026497" y="324272"/>
-            <a:ext cx="282824" cy="0"/>
-          </a:xfrm>
-          <a:prstGeom prst="line">
-            <a:avLst/>
-          </a:prstGeom>
-          <a:ln w="12700">
-            <a:solidFill>
-              <a:schemeClr val="tx1"/>
-            </a:solidFill>
-          </a:ln>
-        </p:spPr>
-        <p:style>
-          <a:lnRef idx="1">
-            <a:schemeClr val="accent1"/>
-          </a:lnRef>
-          <a:fillRef idx="0">
-            <a:schemeClr val="accent1"/>
-          </a:fillRef>
-          <a:effectRef idx="0">
-            <a:schemeClr val="accent1"/>
-          </a:effectRef>
-          <a:fontRef idx="minor">
-            <a:schemeClr val="tx1"/>
-          </a:fontRef>
-        </p:style>
-      </p:cxnSp>
-      <p:cxnSp>
-        <p:nvCxnSpPr>
-          <p:cNvPr id="173" name="Connecteur droit 172"/>
-          <p:cNvCxnSpPr/>
-          <p:nvPr/>
-        </p:nvCxnSpPr>
-        <p:spPr>
-          <a:xfrm>
-            <a:off x="8898705" y="324272"/>
-            <a:ext cx="282824" cy="0"/>
-          </a:xfrm>
-          <a:prstGeom prst="line">
-            <a:avLst/>
-          </a:prstGeom>
-          <a:ln w="12700">
-            <a:solidFill>
-              <a:schemeClr val="tx1"/>
-            </a:solidFill>
-          </a:ln>
-        </p:spPr>
-        <p:style>
-          <a:lnRef idx="1">
-            <a:schemeClr val="accent1"/>
-          </a:lnRef>
-          <a:fillRef idx="0">
-            <a:schemeClr val="accent1"/>
-          </a:fillRef>
-          <a:effectRef idx="0">
-            <a:schemeClr val="accent1"/>
-          </a:effectRef>
-          <a:fontRef idx="minor">
-            <a:schemeClr val="tx1"/>
-          </a:fontRef>
-        </p:style>
-      </p:cxnSp>
-      <p:cxnSp>
-        <p:nvCxnSpPr>
-          <p:cNvPr id="174" name="Connecteur droit 173"/>
-          <p:cNvCxnSpPr/>
-          <p:nvPr/>
-        </p:nvCxnSpPr>
-        <p:spPr>
-          <a:xfrm>
-            <a:off x="5509121" y="36240"/>
-            <a:ext cx="1517376" cy="0"/>
-          </a:xfrm>
-          <a:prstGeom prst="line">
-            <a:avLst/>
-          </a:prstGeom>
-          <a:ln w="12700">
-            <a:solidFill>
-              <a:schemeClr val="tx1"/>
-            </a:solidFill>
-          </a:ln>
-        </p:spPr>
-        <p:style>
-          <a:lnRef idx="1">
-            <a:schemeClr val="accent1"/>
-          </a:lnRef>
-          <a:fillRef idx="0">
-            <a:schemeClr val="accent1"/>
-          </a:fillRef>
-          <a:effectRef idx="0">
-            <a:schemeClr val="accent1"/>
-          </a:effectRef>
-          <a:fontRef idx="minor">
-            <a:schemeClr val="tx1"/>
-          </a:fontRef>
-        </p:style>
-      </p:cxnSp>
-      <p:cxnSp>
-        <p:nvCxnSpPr>
-          <p:cNvPr id="175" name="Connecteur droit 174"/>
-          <p:cNvCxnSpPr/>
-          <p:nvPr/>
-        </p:nvCxnSpPr>
-        <p:spPr>
-          <a:xfrm>
-            <a:off x="7309321" y="36240"/>
-            <a:ext cx="1584176" cy="0"/>
-          </a:xfrm>
-          <a:prstGeom prst="line">
-            <a:avLst/>
-          </a:prstGeom>
-          <a:ln w="12700">
-            <a:solidFill>
-              <a:schemeClr val="tx1"/>
-            </a:solidFill>
-          </a:ln>
-        </p:spPr>
-        <p:style>
-          <a:lnRef idx="1">
-            <a:schemeClr val="accent1"/>
-          </a:lnRef>
-          <a:fillRef idx="0">
-            <a:schemeClr val="accent1"/>
-          </a:fillRef>
-          <a:effectRef idx="0">
-            <a:schemeClr val="accent1"/>
-          </a:effectRef>
-          <a:fontRef idx="minor">
-            <a:schemeClr val="tx1"/>
-          </a:fontRef>
-        </p:style>
-      </p:cxnSp>
-      <p:sp>
-        <p:nvSpPr>
-          <p:cNvPr id="176" name="ZoneTexte 175"/>
-          <p:cNvSpPr txBox="1"/>
-          <p:nvPr/>
-        </p:nvSpPr>
-        <p:spPr>
-          <a:xfrm>
-            <a:off x="5711442" y="36240"/>
-            <a:ext cx="1237839" cy="338554"/>
+            <a:off x="1368000" y="592882"/>
+            <a:ext cx="393056" cy="307777"/>
           </a:xfrm>
           <a:prstGeom prst="rect">
             <a:avLst/>
           </a:prstGeom>
           <a:noFill/>
-          <a:ln w="12700">
-            <a:noFill/>
-          </a:ln>
         </p:spPr>
         <p:txBody>
           <a:bodyPr wrap="none" rtlCol="0">
@@ -4129,13 +3703,13 @@
           <a:lstStyle/>
           <a:p>
             <a:r>
-              <a:rPr lang="fr-FR" sz="1600" dirty="0" smtClean="0">
+              <a:rPr lang="fr-FR" sz="1400" dirty="0" smtClean="0">
                 <a:latin typeface="Times New Roman" panose="02020603050405020304" pitchFamily="18" charset="0"/>
                 <a:cs typeface="Times New Roman" panose="02020603050405020304" pitchFamily="18" charset="0"/>
               </a:rPr>
-              <a:t>NRES Probe</a:t>
-            </a:r>
-            <a:endParaRPr lang="fr-FR" sz="1600" dirty="0">
+              <a:t>(1)</a:t>
+            </a:r>
+            <a:endParaRPr lang="fr-FR" sz="1400" dirty="0">
               <a:latin typeface="Times New Roman" panose="02020603050405020304" pitchFamily="18" charset="0"/>
               <a:cs typeface="Times New Roman" panose="02020603050405020304" pitchFamily="18" charset="0"/>
             </a:endParaRPr>
@@ -4144,22 +3718,19 @@
       </p:sp>
       <p:sp>
         <p:nvSpPr>
-          <p:cNvPr id="177" name="ZoneTexte 176"/>
+          <p:cNvPr id="33" name="ZoneTexte 32"/>
           <p:cNvSpPr txBox="1"/>
           <p:nvPr/>
         </p:nvSpPr>
         <p:spPr>
           <a:xfrm>
-            <a:off x="7587110" y="36240"/>
-            <a:ext cx="1090363" cy="338554"/>
+            <a:off x="1098000" y="1439763"/>
+            <a:ext cx="393056" cy="307777"/>
           </a:xfrm>
           <a:prstGeom prst="rect">
             <a:avLst/>
           </a:prstGeom>
           <a:noFill/>
-          <a:ln w="12700">
-            <a:noFill/>
-          </a:ln>
         </p:spPr>
         <p:txBody>
           <a:bodyPr wrap="none" rtlCol="0">
@@ -4168,26 +3739,470 @@
           <a:lstStyle/>
           <a:p>
             <a:r>
-              <a:rPr lang="fr-FR" sz="1600" dirty="0" smtClean="0">
+              <a:rPr lang="fr-FR" sz="1400" dirty="0" smtClean="0">
                 <a:latin typeface="Times New Roman" panose="02020603050405020304" pitchFamily="18" charset="0"/>
                 <a:cs typeface="Times New Roman" panose="02020603050405020304" pitchFamily="18" charset="0"/>
               </a:rPr>
-              <a:t>RES </a:t>
-            </a:r>
-            <a:r>
-              <a:rPr lang="fr-FR" sz="1600" dirty="0" err="1" smtClean="0">
+              <a:t>(3)</a:t>
+            </a:r>
+            <a:endParaRPr lang="fr-FR" sz="1400" dirty="0">
+              <a:latin typeface="Times New Roman" panose="02020603050405020304" pitchFamily="18" charset="0"/>
+              <a:cs typeface="Times New Roman" panose="02020603050405020304" pitchFamily="18" charset="0"/>
+            </a:endParaRPr>
+          </a:p>
+        </p:txBody>
+      </p:sp>
+      <p:sp>
+        <p:nvSpPr>
+          <p:cNvPr id="34" name="ZoneTexte 33"/>
+          <p:cNvSpPr txBox="1"/>
+          <p:nvPr/>
+        </p:nvSpPr>
+        <p:spPr>
+          <a:xfrm>
+            <a:off x="974944" y="1079723"/>
+            <a:ext cx="393056" cy="307777"/>
+          </a:xfrm>
+          <a:prstGeom prst="rect">
+            <a:avLst/>
+          </a:prstGeom>
+          <a:noFill/>
+        </p:spPr>
+        <p:txBody>
+          <a:bodyPr wrap="none" rtlCol="0">
+            <a:spAutoFit/>
+          </a:bodyPr>
+          <a:lstStyle/>
+          <a:p>
+            <a:r>
+              <a:rPr lang="fr-FR" sz="1400" dirty="0" smtClean="0">
                 <a:latin typeface="Times New Roman" panose="02020603050405020304" pitchFamily="18" charset="0"/>
                 <a:cs typeface="Times New Roman" panose="02020603050405020304" pitchFamily="18" charset="0"/>
               </a:rPr>
-              <a:t>Pump</a:t>
-            </a:r>
-            <a:endParaRPr lang="fr-FR" sz="1600" dirty="0">
+              <a:t>(4)</a:t>
+            </a:r>
+            <a:endParaRPr lang="fr-FR" sz="1400" dirty="0">
               <a:latin typeface="Times New Roman" panose="02020603050405020304" pitchFamily="18" charset="0"/>
               <a:cs typeface="Times New Roman" panose="02020603050405020304" pitchFamily="18" charset="0"/>
             </a:endParaRPr>
           </a:p>
         </p:txBody>
       </p:sp>
+      <p:grpSp>
+        <p:nvGrpSpPr>
+          <p:cNvPr id="8" name="Groupe 7"/>
+          <p:cNvGrpSpPr/>
+          <p:nvPr/>
+        </p:nvGrpSpPr>
+        <p:grpSpPr>
+          <a:xfrm>
+            <a:off x="5024738" y="36240"/>
+            <a:ext cx="4104456" cy="338554"/>
+            <a:chOff x="5058000" y="36240"/>
+            <a:chExt cx="4104456" cy="338554"/>
+          </a:xfrm>
+        </p:grpSpPr>
+        <p:cxnSp>
+          <p:nvCxnSpPr>
+            <p:cNvPr id="40" name="Connecteur droit 39"/>
+            <p:cNvCxnSpPr/>
+            <p:nvPr/>
+          </p:nvCxnSpPr>
+          <p:spPr>
+            <a:xfrm>
+              <a:off x="6266733" y="36240"/>
+              <a:ext cx="0" cy="288032"/>
+            </a:xfrm>
+            <a:prstGeom prst="line">
+              <a:avLst/>
+            </a:prstGeom>
+            <a:ln w="12700">
+              <a:solidFill>
+                <a:schemeClr val="tx1"/>
+              </a:solidFill>
+            </a:ln>
+          </p:spPr>
+          <p:style>
+            <a:lnRef idx="1">
+              <a:schemeClr val="accent1"/>
+            </a:lnRef>
+            <a:fillRef idx="0">
+              <a:schemeClr val="accent1"/>
+            </a:fillRef>
+            <a:effectRef idx="0">
+              <a:schemeClr val="accent1"/>
+            </a:effectRef>
+            <a:fontRef idx="minor">
+              <a:schemeClr val="tx1"/>
+            </a:fontRef>
+          </p:style>
+        </p:cxnSp>
+        <p:cxnSp>
+          <p:nvCxnSpPr>
+            <p:cNvPr id="41" name="Connecteur droit 40"/>
+            <p:cNvCxnSpPr/>
+            <p:nvPr/>
+          </p:nvCxnSpPr>
+          <p:spPr>
+            <a:xfrm>
+              <a:off x="7434339" y="36240"/>
+              <a:ext cx="0" cy="288032"/>
+            </a:xfrm>
+            <a:prstGeom prst="line">
+              <a:avLst/>
+            </a:prstGeom>
+            <a:ln w="12700">
+              <a:solidFill>
+                <a:schemeClr val="tx1"/>
+              </a:solidFill>
+            </a:ln>
+          </p:spPr>
+          <p:style>
+            <a:lnRef idx="1">
+              <a:schemeClr val="accent1"/>
+            </a:lnRef>
+            <a:fillRef idx="0">
+              <a:schemeClr val="accent1"/>
+            </a:fillRef>
+            <a:effectRef idx="0">
+              <a:schemeClr val="accent1"/>
+            </a:effectRef>
+            <a:fontRef idx="minor">
+              <a:schemeClr val="tx1"/>
+            </a:fontRef>
+          </p:style>
+        </p:cxnSp>
+        <p:cxnSp>
+          <p:nvCxnSpPr>
+            <p:cNvPr id="42" name="Connecteur droit 41"/>
+            <p:cNvCxnSpPr/>
+            <p:nvPr/>
+          </p:nvCxnSpPr>
+          <p:spPr>
+            <a:xfrm>
+              <a:off x="7696239" y="36240"/>
+              <a:ext cx="0" cy="288032"/>
+            </a:xfrm>
+            <a:prstGeom prst="line">
+              <a:avLst/>
+            </a:prstGeom>
+            <a:ln w="12700">
+              <a:solidFill>
+                <a:schemeClr val="tx1"/>
+              </a:solidFill>
+            </a:ln>
+          </p:spPr>
+          <p:style>
+            <a:lnRef idx="1">
+              <a:schemeClr val="accent1"/>
+            </a:lnRef>
+            <a:fillRef idx="0">
+              <a:schemeClr val="accent1"/>
+            </a:fillRef>
+            <a:effectRef idx="0">
+              <a:schemeClr val="accent1"/>
+            </a:effectRef>
+            <a:fontRef idx="minor">
+              <a:schemeClr val="tx1"/>
+            </a:fontRef>
+          </p:style>
+        </p:cxnSp>
+        <p:cxnSp>
+          <p:nvCxnSpPr>
+            <p:cNvPr id="43" name="Connecteur droit 42"/>
+            <p:cNvCxnSpPr/>
+            <p:nvPr/>
+          </p:nvCxnSpPr>
+          <p:spPr>
+            <a:xfrm>
+              <a:off x="8927439" y="36240"/>
+              <a:ext cx="0" cy="288032"/>
+            </a:xfrm>
+            <a:prstGeom prst="line">
+              <a:avLst/>
+            </a:prstGeom>
+            <a:ln w="12700">
+              <a:solidFill>
+                <a:schemeClr val="tx1"/>
+              </a:solidFill>
+            </a:ln>
+          </p:spPr>
+          <p:style>
+            <a:lnRef idx="1">
+              <a:schemeClr val="accent1"/>
+            </a:lnRef>
+            <a:fillRef idx="0">
+              <a:schemeClr val="accent1"/>
+            </a:fillRef>
+            <a:effectRef idx="0">
+              <a:schemeClr val="accent1"/>
+            </a:effectRef>
+            <a:fontRef idx="minor">
+              <a:schemeClr val="tx1"/>
+            </a:fontRef>
+          </p:style>
+        </p:cxnSp>
+        <p:cxnSp>
+          <p:nvCxnSpPr>
+            <p:cNvPr id="44" name="Connecteur droit 43"/>
+            <p:cNvCxnSpPr/>
+            <p:nvPr/>
+          </p:nvCxnSpPr>
+          <p:spPr>
+            <a:xfrm>
+              <a:off x="5058000" y="324272"/>
+              <a:ext cx="1208733" cy="0"/>
+            </a:xfrm>
+            <a:prstGeom prst="line">
+              <a:avLst/>
+            </a:prstGeom>
+            <a:ln w="12700">
+              <a:solidFill>
+                <a:schemeClr val="tx1"/>
+              </a:solidFill>
+            </a:ln>
+          </p:spPr>
+          <p:style>
+            <a:lnRef idx="1">
+              <a:schemeClr val="accent1"/>
+            </a:lnRef>
+            <a:fillRef idx="0">
+              <a:schemeClr val="accent1"/>
+            </a:fillRef>
+            <a:effectRef idx="0">
+              <a:schemeClr val="accent1"/>
+            </a:effectRef>
+            <a:fontRef idx="minor">
+              <a:schemeClr val="tx1"/>
+            </a:fontRef>
+          </p:style>
+        </p:cxnSp>
+        <p:cxnSp>
+          <p:nvCxnSpPr>
+            <p:cNvPr id="45" name="Connecteur droit 44"/>
+            <p:cNvCxnSpPr/>
+            <p:nvPr/>
+          </p:nvCxnSpPr>
+          <p:spPr>
+            <a:xfrm>
+              <a:off x="7434339" y="324272"/>
+              <a:ext cx="261900" cy="0"/>
+            </a:xfrm>
+            <a:prstGeom prst="line">
+              <a:avLst/>
+            </a:prstGeom>
+            <a:ln w="12700">
+              <a:solidFill>
+                <a:schemeClr val="tx1"/>
+              </a:solidFill>
+            </a:ln>
+          </p:spPr>
+          <p:style>
+            <a:lnRef idx="1">
+              <a:schemeClr val="accent1"/>
+            </a:lnRef>
+            <a:fillRef idx="0">
+              <a:schemeClr val="accent1"/>
+            </a:fillRef>
+            <a:effectRef idx="0">
+              <a:schemeClr val="accent1"/>
+            </a:effectRef>
+            <a:fontRef idx="minor">
+              <a:schemeClr val="tx1"/>
+            </a:fontRef>
+          </p:style>
+        </p:cxnSp>
+        <p:cxnSp>
+          <p:nvCxnSpPr>
+            <p:cNvPr id="46" name="Connecteur droit 45"/>
+            <p:cNvCxnSpPr/>
+            <p:nvPr/>
+          </p:nvCxnSpPr>
+          <p:spPr>
+            <a:xfrm>
+              <a:off x="8927439" y="324272"/>
+              <a:ext cx="235017" cy="0"/>
+            </a:xfrm>
+            <a:prstGeom prst="line">
+              <a:avLst/>
+            </a:prstGeom>
+            <a:ln w="12700">
+              <a:solidFill>
+                <a:schemeClr val="tx1"/>
+              </a:solidFill>
+            </a:ln>
+          </p:spPr>
+          <p:style>
+            <a:lnRef idx="1">
+              <a:schemeClr val="accent1"/>
+            </a:lnRef>
+            <a:fillRef idx="0">
+              <a:schemeClr val="accent1"/>
+            </a:fillRef>
+            <a:effectRef idx="0">
+              <a:schemeClr val="accent1"/>
+            </a:effectRef>
+            <a:fontRef idx="minor">
+              <a:schemeClr val="tx1"/>
+            </a:fontRef>
+          </p:style>
+        </p:cxnSp>
+        <p:cxnSp>
+          <p:nvCxnSpPr>
+            <p:cNvPr id="47" name="Connecteur droit 46"/>
+            <p:cNvCxnSpPr/>
+            <p:nvPr/>
+          </p:nvCxnSpPr>
+          <p:spPr>
+            <a:xfrm>
+              <a:off x="6266733" y="36240"/>
+              <a:ext cx="1167606" cy="0"/>
+            </a:xfrm>
+            <a:prstGeom prst="line">
+              <a:avLst/>
+            </a:prstGeom>
+            <a:ln w="12700">
+              <a:solidFill>
+                <a:schemeClr val="tx1"/>
+              </a:solidFill>
+            </a:ln>
+          </p:spPr>
+          <p:style>
+            <a:lnRef idx="1">
+              <a:schemeClr val="accent1"/>
+            </a:lnRef>
+            <a:fillRef idx="0">
+              <a:schemeClr val="accent1"/>
+            </a:fillRef>
+            <a:effectRef idx="0">
+              <a:schemeClr val="accent1"/>
+            </a:effectRef>
+            <a:fontRef idx="minor">
+              <a:schemeClr val="tx1"/>
+            </a:fontRef>
+          </p:style>
+        </p:cxnSp>
+        <p:cxnSp>
+          <p:nvCxnSpPr>
+            <p:cNvPr id="48" name="Connecteur droit 47"/>
+            <p:cNvCxnSpPr/>
+            <p:nvPr/>
+          </p:nvCxnSpPr>
+          <p:spPr>
+            <a:xfrm>
+              <a:off x="7696239" y="36240"/>
+              <a:ext cx="1231200" cy="0"/>
+            </a:xfrm>
+            <a:prstGeom prst="line">
+              <a:avLst/>
+            </a:prstGeom>
+            <a:ln w="12700">
+              <a:solidFill>
+                <a:schemeClr val="tx1"/>
+              </a:solidFill>
+            </a:ln>
+          </p:spPr>
+          <p:style>
+            <a:lnRef idx="1">
+              <a:schemeClr val="accent1"/>
+            </a:lnRef>
+            <a:fillRef idx="0">
+              <a:schemeClr val="accent1"/>
+            </a:fillRef>
+            <a:effectRef idx="0">
+              <a:schemeClr val="accent1"/>
+            </a:effectRef>
+            <a:fontRef idx="minor">
+              <a:schemeClr val="tx1"/>
+            </a:fontRef>
+          </p:style>
+        </p:cxnSp>
+        <p:sp>
+          <p:nvSpPr>
+            <p:cNvPr id="49" name="ZoneTexte 48"/>
+            <p:cNvSpPr txBox="1"/>
+            <p:nvPr/>
+          </p:nvSpPr>
+          <p:spPr>
+            <a:xfrm>
+              <a:off x="6234639" y="36240"/>
+              <a:ext cx="1237839" cy="338554"/>
+            </a:xfrm>
+            <a:prstGeom prst="rect">
+              <a:avLst/>
+            </a:prstGeom>
+            <a:noFill/>
+            <a:ln w="12700">
+              <a:noFill/>
+            </a:ln>
+          </p:spPr>
+          <p:txBody>
+            <a:bodyPr wrap="none" rtlCol="0">
+              <a:spAutoFit/>
+            </a:bodyPr>
+            <a:lstStyle/>
+            <a:p>
+              <a:r>
+                <a:rPr lang="fr-FR" sz="1600" dirty="0" smtClean="0">
+                  <a:latin typeface="Times New Roman" panose="02020603050405020304" pitchFamily="18" charset="0"/>
+                  <a:cs typeface="Times New Roman" panose="02020603050405020304" pitchFamily="18" charset="0"/>
+                </a:rPr>
+                <a:t>NRES Probe</a:t>
+              </a:r>
+              <a:endParaRPr lang="fr-FR" sz="1600" dirty="0">
+                <a:latin typeface="Times New Roman" panose="02020603050405020304" pitchFamily="18" charset="0"/>
+                <a:cs typeface="Times New Roman" panose="02020603050405020304" pitchFamily="18" charset="0"/>
+              </a:endParaRPr>
+            </a:p>
+          </p:txBody>
+        </p:sp>
+        <p:sp>
+          <p:nvSpPr>
+            <p:cNvPr id="50" name="ZoneTexte 49"/>
+            <p:cNvSpPr txBox="1"/>
+            <p:nvPr/>
+          </p:nvSpPr>
+          <p:spPr>
+            <a:xfrm>
+              <a:off x="7784061" y="36240"/>
+              <a:ext cx="1090363" cy="338554"/>
+            </a:xfrm>
+            <a:prstGeom prst="rect">
+              <a:avLst/>
+            </a:prstGeom>
+            <a:noFill/>
+            <a:ln w="12700">
+              <a:noFill/>
+            </a:ln>
+          </p:spPr>
+          <p:txBody>
+            <a:bodyPr wrap="none" rtlCol="0">
+              <a:spAutoFit/>
+            </a:bodyPr>
+            <a:lstStyle/>
+            <a:p>
+              <a:r>
+                <a:rPr lang="fr-FR" sz="1600" dirty="0" smtClean="0">
+                  <a:latin typeface="Times New Roman" panose="02020603050405020304" pitchFamily="18" charset="0"/>
+                  <a:cs typeface="Times New Roman" panose="02020603050405020304" pitchFamily="18" charset="0"/>
+                </a:rPr>
+                <a:t>RES </a:t>
+              </a:r>
+              <a:r>
+                <a:rPr lang="fr-FR" sz="1600" dirty="0" err="1" smtClean="0">
+                  <a:latin typeface="Times New Roman" panose="02020603050405020304" pitchFamily="18" charset="0"/>
+                  <a:cs typeface="Times New Roman" panose="02020603050405020304" pitchFamily="18" charset="0"/>
+                </a:rPr>
+                <a:t>Pump</a:t>
+              </a:r>
+              <a:endParaRPr lang="fr-FR" sz="1600" dirty="0">
+                <a:latin typeface="Times New Roman" panose="02020603050405020304" pitchFamily="18" charset="0"/>
+                <a:cs typeface="Times New Roman" panose="02020603050405020304" pitchFamily="18" charset="0"/>
+              </a:endParaRPr>
+            </a:p>
+          </p:txBody>
+        </p:sp>
+      </p:grpSp>
     </p:spTree>
     <p:extLst>
       <p:ext uri="{BB962C8B-B14F-4D97-AF65-F5344CB8AC3E}">
